--- a/estonia-health-bbd.pptx
+++ b/estonia-health-bbd.pptx
@@ -5,7 +5,7 @@
     <p:sldMasterId id="2147483648" r:id="rId1"/>
   </p:sldMasterIdLst>
   <p:notesMasterIdLst>
-    <p:notesMasterId r:id="rId27"/>
+    <p:notesMasterId r:id="rId28"/>
   </p:notesMasterIdLst>
   <p:sldIdLst>
     <p:sldId id="258" r:id="rId2"/>
@@ -29,10 +29,11 @@
     <p:sldId id="334" r:id="rId20"/>
     <p:sldId id="336" r:id="rId21"/>
     <p:sldId id="337" r:id="rId22"/>
-    <p:sldId id="408" r:id="rId23"/>
-    <p:sldId id="411" r:id="rId24"/>
-    <p:sldId id="410" r:id="rId25"/>
-    <p:sldId id="340" r:id="rId26"/>
+    <p:sldId id="423" r:id="rId23"/>
+    <p:sldId id="408" r:id="rId24"/>
+    <p:sldId id="411" r:id="rId25"/>
+    <p:sldId id="410" r:id="rId26"/>
+    <p:sldId id="340" r:id="rId27"/>
   </p:sldIdLst>
   <p:sldSz cx="12192000" cy="6858000"/>
   <p:notesSz cx="6858000" cy="9144000"/>
@@ -148,6 +149,1222 @@
     </p:ext>
   </p:extLst>
 </p:presentation>
+</file>
+
+<file path=ppt/charts/chart1.xml><?xml version="1.0" encoding="utf-8"?>
+<c:chartSpace xmlns:c="http://schemas.openxmlformats.org/drawingml/2006/chart" xmlns:a="http://schemas.openxmlformats.org/drawingml/2006/main" xmlns:r="http://schemas.openxmlformats.org/officeDocument/2006/relationships" xmlns:c16r2="http://schemas.microsoft.com/office/drawing/2015/06/chart">
+  <c:date1904 val="0"/>
+  <c:lang val="en-US"/>
+  <c:roundedCorners val="0"/>
+  <mc:AlternateContent xmlns:mc="http://schemas.openxmlformats.org/markup-compatibility/2006">
+    <mc:Choice xmlns:c14="http://schemas.microsoft.com/office/drawing/2007/8/2/chart" Requires="c14">
+      <c14:style val="102"/>
+    </mc:Choice>
+    <mc:Fallback>
+      <c:style val="2"/>
+    </mc:Fallback>
+  </mc:AlternateContent>
+  <c:chart>
+    <c:autoTitleDeleted val="1"/>
+    <c:plotArea>
+      <c:layout>
+        <c:manualLayout>
+          <c:layoutTarget val="inner"/>
+          <c:xMode val="edge"/>
+          <c:yMode val="edge"/>
+          <c:x val="9.20982124940804E-2"/>
+          <c:y val="0.185346513246478"/>
+          <c:w val="0.78313275060800902"/>
+          <c:h val="0.64726538669699796"/>
+        </c:manualLayout>
+      </c:layout>
+      <c:barChart>
+        <c:barDir val="col"/>
+        <c:grouping val="clustered"/>
+        <c:varyColors val="0"/>
+        <c:ser>
+          <c:idx val="1"/>
+          <c:order val="1"/>
+          <c:tx>
+            <c:strRef>
+              <c:f>'Figure 2'!$A$7</c:f>
+              <c:strCache>
+                <c:ptCount val="1"/>
+                <c:pt idx="0">
+                  <c:v>Gap</c:v>
+                </c:pt>
+              </c:strCache>
+            </c:strRef>
+          </c:tx>
+          <c:spPr>
+            <a:solidFill>
+              <a:schemeClr val="accent2"/>
+            </a:solidFill>
+            <a:ln>
+              <a:noFill/>
+            </a:ln>
+            <a:effectLst/>
+          </c:spPr>
+          <c:invertIfNegative val="0"/>
+          <c:cat>
+            <c:strRef>
+              <c:f>'Figure 2'!$B$5:$E$5</c:f>
+              <c:strCache>
+                <c:ptCount val="4"/>
+                <c:pt idx="0">
+                  <c:v>Private Sector (ALL)</c:v>
+                </c:pt>
+                <c:pt idx="1">
+                  <c:v>Public Sector (ALL)</c:v>
+                </c:pt>
+                <c:pt idx="2">
+                  <c:v>Public Sector Doctors in their Public Clinics</c:v>
+                </c:pt>
+                <c:pt idx="3">
+                  <c:v>Public Sector Doctors in their Private Clinics</c:v>
+                </c:pt>
+              </c:strCache>
+            </c:strRef>
+          </c:cat>
+          <c:val>
+            <c:numRef>
+              <c:f>'Figure 2'!$C$7:$E$7</c:f>
+              <c:numCache>
+                <c:formatCode>General</c:formatCode>
+                <c:ptCount val="3"/>
+              </c:numCache>
+            </c:numRef>
+          </c:val>
+          <c:extLst>
+            <c:ext xmlns:c16="http://schemas.microsoft.com/office/drawing/2014/chart" uri="{C3380CC4-5D6E-409C-BE32-E72D297353CC}">
+              <c16:uniqueId val="{00000000-783F-D649-9126-19EE19C34740}"/>
+            </c:ext>
+          </c:extLst>
+        </c:ser>
+        <c:ser>
+          <c:idx val="2"/>
+          <c:order val="2"/>
+          <c:tx>
+            <c:strRef>
+              <c:f>'Figure 2'!$A$8</c:f>
+              <c:strCache>
+                <c:ptCount val="1"/>
+                <c:pt idx="0">
+                  <c:v>Gap</c:v>
+                </c:pt>
+              </c:strCache>
+            </c:strRef>
+          </c:tx>
+          <c:spPr>
+            <a:solidFill>
+              <a:schemeClr val="accent3"/>
+            </a:solidFill>
+            <a:ln>
+              <a:noFill/>
+            </a:ln>
+            <a:effectLst/>
+          </c:spPr>
+          <c:invertIfNegative val="0"/>
+          <c:cat>
+            <c:strRef>
+              <c:f>'Figure 2'!$B$5:$E$5</c:f>
+              <c:strCache>
+                <c:ptCount val="4"/>
+                <c:pt idx="0">
+                  <c:v>Private Sector (ALL)</c:v>
+                </c:pt>
+                <c:pt idx="1">
+                  <c:v>Public Sector (ALL)</c:v>
+                </c:pt>
+                <c:pt idx="2">
+                  <c:v>Public Sector Doctors in their Public Clinics</c:v>
+                </c:pt>
+                <c:pt idx="3">
+                  <c:v>Public Sector Doctors in their Private Clinics</c:v>
+                </c:pt>
+              </c:strCache>
+            </c:strRef>
+          </c:cat>
+          <c:val>
+            <c:numRef>
+              <c:f>'Figure 2'!$C$8:$E$8</c:f>
+              <c:numCache>
+                <c:formatCode>General</c:formatCode>
+                <c:ptCount val="3"/>
+              </c:numCache>
+            </c:numRef>
+          </c:val>
+          <c:extLst>
+            <c:ext xmlns:c16="http://schemas.microsoft.com/office/drawing/2014/chart" uri="{C3380CC4-5D6E-409C-BE32-E72D297353CC}">
+              <c16:uniqueId val="{00000001-783F-D649-9126-19EE19C34740}"/>
+            </c:ext>
+          </c:extLst>
+        </c:ser>
+        <c:ser>
+          <c:idx val="3"/>
+          <c:order val="3"/>
+          <c:tx>
+            <c:strRef>
+              <c:f>'Figure 2'!$A$9</c:f>
+              <c:strCache>
+                <c:ptCount val="1"/>
+                <c:pt idx="0">
+                  <c:v>% Checklist Completion</c:v>
+                </c:pt>
+              </c:strCache>
+            </c:strRef>
+          </c:tx>
+          <c:spPr>
+            <a:solidFill>
+              <a:schemeClr val="accent4"/>
+            </a:solidFill>
+            <a:ln>
+              <a:noFill/>
+            </a:ln>
+            <a:effectLst/>
+          </c:spPr>
+          <c:invertIfNegative val="0"/>
+          <c:cat>
+            <c:strRef>
+              <c:f>'Figure 2'!$B$5:$E$5</c:f>
+              <c:strCache>
+                <c:ptCount val="4"/>
+                <c:pt idx="0">
+                  <c:v>Private Sector (ALL)</c:v>
+                </c:pt>
+                <c:pt idx="1">
+                  <c:v>Public Sector (ALL)</c:v>
+                </c:pt>
+                <c:pt idx="2">
+                  <c:v>Public Sector Doctors in their Public Clinics</c:v>
+                </c:pt>
+                <c:pt idx="3">
+                  <c:v>Public Sector Doctors in their Private Clinics</c:v>
+                </c:pt>
+              </c:strCache>
+            </c:strRef>
+          </c:cat>
+          <c:val>
+            <c:numRef>
+              <c:f>'Figure 2'!$B$9:$E$9</c:f>
+              <c:numCache>
+                <c:formatCode>General</c:formatCode>
+                <c:ptCount val="4"/>
+                <c:pt idx="0">
+                  <c:v>21</c:v>
+                </c:pt>
+                <c:pt idx="1">
+                  <c:v>18.2</c:v>
+                </c:pt>
+                <c:pt idx="2">
+                  <c:v>17.600000000000001</c:v>
+                </c:pt>
+                <c:pt idx="3">
+                  <c:v>28.22</c:v>
+                </c:pt>
+              </c:numCache>
+            </c:numRef>
+          </c:val>
+          <c:extLst>
+            <c:ext xmlns:c16="http://schemas.microsoft.com/office/drawing/2014/chart" uri="{C3380CC4-5D6E-409C-BE32-E72D297353CC}">
+              <c16:uniqueId val="{00000002-783F-D649-9126-19EE19C34740}"/>
+            </c:ext>
+          </c:extLst>
+        </c:ser>
+        <c:dLbls>
+          <c:showLegendKey val="0"/>
+          <c:showVal val="0"/>
+          <c:showCatName val="0"/>
+          <c:showSerName val="0"/>
+          <c:showPercent val="0"/>
+          <c:showBubbleSize val="0"/>
+        </c:dLbls>
+        <c:gapWidth val="219"/>
+        <c:overlap val="-27"/>
+        <c:axId val="-361917456"/>
+        <c:axId val="67024480"/>
+      </c:barChart>
+      <c:barChart>
+        <c:barDir val="col"/>
+        <c:grouping val="clustered"/>
+        <c:varyColors val="0"/>
+        <c:ser>
+          <c:idx val="0"/>
+          <c:order val="0"/>
+          <c:tx>
+            <c:strRef>
+              <c:f>'Figure 2'!$A$6</c:f>
+              <c:strCache>
+                <c:ptCount val="1"/>
+                <c:pt idx="0">
+                  <c:v>Standardized Checklist Score</c:v>
+                </c:pt>
+              </c:strCache>
+            </c:strRef>
+          </c:tx>
+          <c:spPr>
+            <a:solidFill>
+              <a:schemeClr val="accent1"/>
+            </a:solidFill>
+            <a:ln>
+              <a:noFill/>
+            </a:ln>
+            <a:effectLst/>
+          </c:spPr>
+          <c:invertIfNegative val="0"/>
+          <c:cat>
+            <c:strRef>
+              <c:f>'Figure 2'!$B$5:$E$5</c:f>
+              <c:strCache>
+                <c:ptCount val="4"/>
+                <c:pt idx="0">
+                  <c:v>Private Sector (ALL)</c:v>
+                </c:pt>
+                <c:pt idx="1">
+                  <c:v>Public Sector (ALL)</c:v>
+                </c:pt>
+                <c:pt idx="2">
+                  <c:v>Public Sector Doctors in their Public Clinics</c:v>
+                </c:pt>
+                <c:pt idx="3">
+                  <c:v>Public Sector Doctors in their Private Clinics</c:v>
+                </c:pt>
+              </c:strCache>
+            </c:strRef>
+          </c:cat>
+          <c:val>
+            <c:numRef>
+              <c:f>'Figure 2'!$B$6:$E$6</c:f>
+              <c:numCache>
+                <c:formatCode>General</c:formatCode>
+                <c:ptCount val="4"/>
+                <c:pt idx="0">
+                  <c:v>0.12</c:v>
+                </c:pt>
+                <c:pt idx="1">
+                  <c:v>-0.36</c:v>
+                </c:pt>
+                <c:pt idx="2">
+                  <c:v>-0.44</c:v>
+                </c:pt>
+                <c:pt idx="3">
+                  <c:v>0.4</c:v>
+                </c:pt>
+              </c:numCache>
+            </c:numRef>
+          </c:val>
+          <c:extLst>
+            <c:ext xmlns:c16="http://schemas.microsoft.com/office/drawing/2014/chart" uri="{C3380CC4-5D6E-409C-BE32-E72D297353CC}">
+              <c16:uniqueId val="{00000003-783F-D649-9126-19EE19C34740}"/>
+            </c:ext>
+          </c:extLst>
+        </c:ser>
+        <c:dLbls>
+          <c:showLegendKey val="0"/>
+          <c:showVal val="0"/>
+          <c:showCatName val="0"/>
+          <c:showSerName val="0"/>
+          <c:showPercent val="0"/>
+          <c:showBubbleSize val="0"/>
+        </c:dLbls>
+        <c:gapWidth val="459"/>
+        <c:overlap val="-27"/>
+        <c:axId val="-331453888"/>
+        <c:axId val="6755472"/>
+      </c:barChart>
+      <c:catAx>
+        <c:axId val="-361917456"/>
+        <c:scaling>
+          <c:orientation val="minMax"/>
+        </c:scaling>
+        <c:delete val="0"/>
+        <c:axPos val="b"/>
+        <c:numFmt formatCode="General" sourceLinked="1"/>
+        <c:majorTickMark val="none"/>
+        <c:minorTickMark val="none"/>
+        <c:tickLblPos val="nextTo"/>
+        <c:spPr>
+          <a:noFill/>
+          <a:ln w="9525" cap="flat" cmpd="sng" algn="ctr">
+            <a:solidFill>
+              <a:schemeClr val="tx1">
+                <a:lumMod val="15000"/>
+                <a:lumOff val="85000"/>
+              </a:schemeClr>
+            </a:solidFill>
+            <a:round/>
+          </a:ln>
+          <a:effectLst/>
+        </c:spPr>
+        <c:txPr>
+          <a:bodyPr rot="-60000000" spcFirstLastPara="1" vertOverflow="ellipsis" vert="horz" wrap="square" anchor="ctr" anchorCtr="1"/>
+          <a:lstStyle/>
+          <a:p>
+            <a:pPr>
+              <a:defRPr sz="900" b="0" i="0" u="none" strike="noStrike" kern="1200" baseline="0">
+                <a:solidFill>
+                  <a:schemeClr val="tx1">
+                    <a:lumMod val="65000"/>
+                    <a:lumOff val="35000"/>
+                  </a:schemeClr>
+                </a:solidFill>
+                <a:latin typeface="+mn-lt"/>
+                <a:ea typeface="+mn-ea"/>
+                <a:cs typeface="+mn-cs"/>
+              </a:defRPr>
+            </a:pPr>
+            <a:endParaRPr lang="en-US"/>
+          </a:p>
+        </c:txPr>
+        <c:crossAx val="67024480"/>
+        <c:crosses val="autoZero"/>
+        <c:auto val="1"/>
+        <c:lblAlgn val="ctr"/>
+        <c:lblOffset val="100"/>
+        <c:noMultiLvlLbl val="0"/>
+      </c:catAx>
+      <c:valAx>
+        <c:axId val="67024480"/>
+        <c:scaling>
+          <c:orientation val="minMax"/>
+        </c:scaling>
+        <c:delete val="0"/>
+        <c:axPos val="l"/>
+        <c:majorGridlines>
+          <c:spPr>
+            <a:ln w="9525" cap="flat" cmpd="sng" algn="ctr">
+              <a:solidFill>
+                <a:schemeClr val="tx1">
+                  <a:lumMod val="15000"/>
+                  <a:lumOff val="85000"/>
+                </a:schemeClr>
+              </a:solidFill>
+              <a:round/>
+            </a:ln>
+            <a:effectLst/>
+          </c:spPr>
+        </c:majorGridlines>
+        <c:title>
+          <c:tx>
+            <c:rich>
+              <a:bodyPr rot="-5400000" spcFirstLastPara="1" vertOverflow="ellipsis" vert="horz" wrap="square" anchor="ctr" anchorCtr="1"/>
+              <a:lstStyle/>
+              <a:p>
+                <a:pPr>
+                  <a:defRPr sz="1000" b="0" i="0" u="none" strike="noStrike" kern="1200" baseline="0">
+                    <a:solidFill>
+                      <a:schemeClr val="tx1">
+                        <a:lumMod val="65000"/>
+                        <a:lumOff val="35000"/>
+                      </a:schemeClr>
+                    </a:solidFill>
+                    <a:latin typeface="+mn-lt"/>
+                    <a:ea typeface="+mn-ea"/>
+                    <a:cs typeface="+mn-cs"/>
+                  </a:defRPr>
+                </a:pPr>
+                <a:r>
+                  <a:rPr lang="en-US"/>
+                  <a:t>%Checklist Completion</a:t>
+                </a:r>
+              </a:p>
+            </c:rich>
+          </c:tx>
+          <c:overlay val="0"/>
+          <c:spPr>
+            <a:noFill/>
+            <a:ln>
+              <a:noFill/>
+            </a:ln>
+            <a:effectLst/>
+          </c:spPr>
+          <c:txPr>
+            <a:bodyPr rot="-5400000" spcFirstLastPara="1" vertOverflow="ellipsis" vert="horz" wrap="square" anchor="ctr" anchorCtr="1"/>
+            <a:lstStyle/>
+            <a:p>
+              <a:pPr>
+                <a:defRPr sz="1000" b="0" i="0" u="none" strike="noStrike" kern="1200" baseline="0">
+                  <a:solidFill>
+                    <a:schemeClr val="tx1">
+                      <a:lumMod val="65000"/>
+                      <a:lumOff val="35000"/>
+                    </a:schemeClr>
+                  </a:solidFill>
+                  <a:latin typeface="+mn-lt"/>
+                  <a:ea typeface="+mn-ea"/>
+                  <a:cs typeface="+mn-cs"/>
+                </a:defRPr>
+              </a:pPr>
+              <a:endParaRPr lang="en-US"/>
+            </a:p>
+          </c:txPr>
+        </c:title>
+        <c:numFmt formatCode="General" sourceLinked="1"/>
+        <c:majorTickMark val="none"/>
+        <c:minorTickMark val="none"/>
+        <c:tickLblPos val="nextTo"/>
+        <c:spPr>
+          <a:noFill/>
+          <a:ln>
+            <a:noFill/>
+          </a:ln>
+          <a:effectLst/>
+        </c:spPr>
+        <c:txPr>
+          <a:bodyPr rot="-60000000" spcFirstLastPara="1" vertOverflow="ellipsis" vert="horz" wrap="square" anchor="ctr" anchorCtr="1"/>
+          <a:lstStyle/>
+          <a:p>
+            <a:pPr>
+              <a:defRPr sz="900" b="0" i="0" u="none" strike="noStrike" kern="1200" baseline="0">
+                <a:solidFill>
+                  <a:schemeClr val="tx1">
+                    <a:lumMod val="65000"/>
+                    <a:lumOff val="35000"/>
+                  </a:schemeClr>
+                </a:solidFill>
+                <a:latin typeface="+mn-lt"/>
+                <a:ea typeface="+mn-ea"/>
+                <a:cs typeface="+mn-cs"/>
+              </a:defRPr>
+            </a:pPr>
+            <a:endParaRPr lang="en-US"/>
+          </a:p>
+        </c:txPr>
+        <c:crossAx val="-361917456"/>
+        <c:crosses val="autoZero"/>
+        <c:crossBetween val="between"/>
+      </c:valAx>
+      <c:valAx>
+        <c:axId val="6755472"/>
+        <c:scaling>
+          <c:orientation val="minMax"/>
+        </c:scaling>
+        <c:delete val="0"/>
+        <c:axPos val="r"/>
+        <c:title>
+          <c:tx>
+            <c:rich>
+              <a:bodyPr rot="-5400000" spcFirstLastPara="1" vertOverflow="ellipsis" vert="horz" wrap="square" anchor="ctr" anchorCtr="1"/>
+              <a:lstStyle/>
+              <a:p>
+                <a:pPr>
+                  <a:defRPr sz="1000" b="0" i="0" u="none" strike="noStrike" kern="1200" baseline="0">
+                    <a:solidFill>
+                      <a:schemeClr val="tx1">
+                        <a:lumMod val="65000"/>
+                        <a:lumOff val="35000"/>
+                      </a:schemeClr>
+                    </a:solidFill>
+                    <a:latin typeface="+mn-lt"/>
+                    <a:ea typeface="+mn-ea"/>
+                    <a:cs typeface="+mn-cs"/>
+                  </a:defRPr>
+                </a:pPr>
+                <a:r>
+                  <a:rPr lang="en-US"/>
+                  <a:t>Standardized Checklist Score (Standard Devaiations)</a:t>
+                </a:r>
+              </a:p>
+            </c:rich>
+          </c:tx>
+          <c:overlay val="0"/>
+          <c:spPr>
+            <a:noFill/>
+            <a:ln>
+              <a:noFill/>
+            </a:ln>
+            <a:effectLst/>
+          </c:spPr>
+          <c:txPr>
+            <a:bodyPr rot="-5400000" spcFirstLastPara="1" vertOverflow="ellipsis" vert="horz" wrap="square" anchor="ctr" anchorCtr="1"/>
+            <a:lstStyle/>
+            <a:p>
+              <a:pPr>
+                <a:defRPr sz="1000" b="0" i="0" u="none" strike="noStrike" kern="1200" baseline="0">
+                  <a:solidFill>
+                    <a:schemeClr val="tx1">
+                      <a:lumMod val="65000"/>
+                      <a:lumOff val="35000"/>
+                    </a:schemeClr>
+                  </a:solidFill>
+                  <a:latin typeface="+mn-lt"/>
+                  <a:ea typeface="+mn-ea"/>
+                  <a:cs typeface="+mn-cs"/>
+                </a:defRPr>
+              </a:pPr>
+              <a:endParaRPr lang="en-US"/>
+            </a:p>
+          </c:txPr>
+        </c:title>
+        <c:numFmt formatCode="General" sourceLinked="1"/>
+        <c:majorTickMark val="out"/>
+        <c:minorTickMark val="none"/>
+        <c:tickLblPos val="nextTo"/>
+        <c:spPr>
+          <a:noFill/>
+          <a:ln>
+            <a:noFill/>
+          </a:ln>
+          <a:effectLst/>
+        </c:spPr>
+        <c:txPr>
+          <a:bodyPr rot="-60000000" spcFirstLastPara="1" vertOverflow="ellipsis" vert="horz" wrap="square" anchor="ctr" anchorCtr="1"/>
+          <a:lstStyle/>
+          <a:p>
+            <a:pPr>
+              <a:defRPr sz="900" b="0" i="0" u="none" strike="noStrike" kern="1200" baseline="0">
+                <a:solidFill>
+                  <a:schemeClr val="tx1">
+                    <a:lumMod val="65000"/>
+                    <a:lumOff val="35000"/>
+                  </a:schemeClr>
+                </a:solidFill>
+                <a:latin typeface="+mn-lt"/>
+                <a:ea typeface="+mn-ea"/>
+                <a:cs typeface="+mn-cs"/>
+              </a:defRPr>
+            </a:pPr>
+            <a:endParaRPr lang="en-US"/>
+          </a:p>
+        </c:txPr>
+        <c:crossAx val="-331453888"/>
+        <c:crosses val="max"/>
+        <c:crossBetween val="between"/>
+      </c:valAx>
+      <c:catAx>
+        <c:axId val="-331453888"/>
+        <c:scaling>
+          <c:orientation val="minMax"/>
+        </c:scaling>
+        <c:delete val="1"/>
+        <c:axPos val="b"/>
+        <c:numFmt formatCode="General" sourceLinked="1"/>
+        <c:majorTickMark val="out"/>
+        <c:minorTickMark val="none"/>
+        <c:tickLblPos val="nextTo"/>
+        <c:crossAx val="6755472"/>
+        <c:crossesAt val="-0.5"/>
+        <c:auto val="1"/>
+        <c:lblAlgn val="ctr"/>
+        <c:lblOffset val="100"/>
+        <c:noMultiLvlLbl val="0"/>
+      </c:catAx>
+      <c:spPr>
+        <a:noFill/>
+        <a:ln>
+          <a:noFill/>
+        </a:ln>
+        <a:effectLst/>
+      </c:spPr>
+    </c:plotArea>
+    <c:legend>
+      <c:legendPos val="b"/>
+      <c:legendEntry>
+        <c:idx val="0"/>
+        <c:delete val="1"/>
+      </c:legendEntry>
+      <c:legendEntry>
+        <c:idx val="1"/>
+        <c:delete val="1"/>
+      </c:legendEntry>
+      <c:overlay val="0"/>
+      <c:spPr>
+        <a:noFill/>
+        <a:ln>
+          <a:noFill/>
+        </a:ln>
+        <a:effectLst/>
+      </c:spPr>
+      <c:txPr>
+        <a:bodyPr rot="0" spcFirstLastPara="1" vertOverflow="ellipsis" vert="horz" wrap="square" anchor="ctr" anchorCtr="1"/>
+        <a:lstStyle/>
+        <a:p>
+          <a:pPr>
+            <a:defRPr sz="900" b="0" i="0" u="none" strike="noStrike" kern="1200" baseline="0">
+              <a:solidFill>
+                <a:schemeClr val="tx1">
+                  <a:lumMod val="65000"/>
+                  <a:lumOff val="35000"/>
+                </a:schemeClr>
+              </a:solidFill>
+              <a:latin typeface="+mn-lt"/>
+              <a:ea typeface="+mn-ea"/>
+              <a:cs typeface="+mn-cs"/>
+            </a:defRPr>
+          </a:pPr>
+          <a:endParaRPr lang="en-US"/>
+        </a:p>
+      </c:txPr>
+    </c:legend>
+    <c:plotVisOnly val="1"/>
+    <c:dispBlanksAs val="gap"/>
+    <c:showDLblsOverMax val="0"/>
+  </c:chart>
+  <c:spPr>
+    <a:noFill/>
+    <a:ln>
+      <a:noFill/>
+    </a:ln>
+    <a:effectLst/>
+  </c:spPr>
+  <c:txPr>
+    <a:bodyPr/>
+    <a:lstStyle/>
+    <a:p>
+      <a:pPr>
+        <a:defRPr/>
+      </a:pPr>
+      <a:endParaRPr lang="en-US"/>
+    </a:p>
+  </c:txPr>
+  <c:externalData r:id="rId3">
+    <c:autoUpdate val="0"/>
+  </c:externalData>
+  <c:userShapes r:id="rId4"/>
+</c:chartSpace>
+</file>
+
+<file path=ppt/charts/colors1.xml><?xml version="1.0" encoding="utf-8"?>
+<cs:colorStyle xmlns:cs="http://schemas.microsoft.com/office/drawing/2012/chartStyle" xmlns:a="http://schemas.openxmlformats.org/drawingml/2006/main" meth="cycle" id="10">
+  <a:schemeClr val="accent1"/>
+  <a:schemeClr val="accent2"/>
+  <a:schemeClr val="accent3"/>
+  <a:schemeClr val="accent4"/>
+  <a:schemeClr val="accent5"/>
+  <a:schemeClr val="accent6"/>
+  <cs:variation/>
+  <cs:variation>
+    <a:lumMod val="60000"/>
+  </cs:variation>
+  <cs:variation>
+    <a:lumMod val="80000"/>
+    <a:lumOff val="20000"/>
+  </cs:variation>
+  <cs:variation>
+    <a:lumMod val="80000"/>
+  </cs:variation>
+  <cs:variation>
+    <a:lumMod val="60000"/>
+    <a:lumOff val="40000"/>
+  </cs:variation>
+  <cs:variation>
+    <a:lumMod val="50000"/>
+  </cs:variation>
+  <cs:variation>
+    <a:lumMod val="70000"/>
+    <a:lumOff val="30000"/>
+  </cs:variation>
+  <cs:variation>
+    <a:lumMod val="70000"/>
+  </cs:variation>
+  <cs:variation>
+    <a:lumMod val="50000"/>
+    <a:lumOff val="50000"/>
+  </cs:variation>
+</cs:colorStyle>
+</file>
+
+<file path=ppt/charts/style1.xml><?xml version="1.0" encoding="utf-8"?>
+<cs:chartStyle xmlns:cs="http://schemas.microsoft.com/office/drawing/2012/chartStyle" xmlns:a="http://schemas.openxmlformats.org/drawingml/2006/main" id="201">
+  <cs:axisTitle>
+    <cs:lnRef idx="0"/>
+    <cs:fillRef idx="0"/>
+    <cs:effectRef idx="0"/>
+    <cs:fontRef idx="minor">
+      <a:schemeClr val="tx1">
+        <a:lumMod val="65000"/>
+        <a:lumOff val="35000"/>
+      </a:schemeClr>
+    </cs:fontRef>
+    <cs:defRPr sz="1000" kern="1200"/>
+  </cs:axisTitle>
+  <cs:categoryAxis>
+    <cs:lnRef idx="0"/>
+    <cs:fillRef idx="0"/>
+    <cs:effectRef idx="0"/>
+    <cs:fontRef idx="minor">
+      <a:schemeClr val="tx1">
+        <a:lumMod val="65000"/>
+        <a:lumOff val="35000"/>
+      </a:schemeClr>
+    </cs:fontRef>
+    <cs:spPr>
+      <a:ln w="9525" cap="flat" cmpd="sng" algn="ctr">
+        <a:solidFill>
+          <a:schemeClr val="tx1">
+            <a:lumMod val="15000"/>
+            <a:lumOff val="85000"/>
+          </a:schemeClr>
+        </a:solidFill>
+        <a:round/>
+      </a:ln>
+    </cs:spPr>
+    <cs:defRPr sz="900" kern="1200"/>
+  </cs:categoryAxis>
+  <cs:chartArea mods="allowNoFillOverride allowNoLineOverride">
+    <cs:lnRef idx="0"/>
+    <cs:fillRef idx="0"/>
+    <cs:effectRef idx="0"/>
+    <cs:fontRef idx="minor">
+      <a:schemeClr val="tx1"/>
+    </cs:fontRef>
+    <cs:spPr>
+      <a:solidFill>
+        <a:schemeClr val="bg1"/>
+      </a:solidFill>
+      <a:ln w="9525" cap="flat" cmpd="sng" algn="ctr">
+        <a:solidFill>
+          <a:schemeClr val="tx1">
+            <a:lumMod val="15000"/>
+            <a:lumOff val="85000"/>
+          </a:schemeClr>
+        </a:solidFill>
+        <a:round/>
+      </a:ln>
+    </cs:spPr>
+    <cs:defRPr sz="1000" kern="1200"/>
+  </cs:chartArea>
+  <cs:dataLabel>
+    <cs:lnRef idx="0"/>
+    <cs:fillRef idx="0"/>
+    <cs:effectRef idx="0"/>
+    <cs:fontRef idx="minor">
+      <a:schemeClr val="tx1">
+        <a:lumMod val="75000"/>
+        <a:lumOff val="25000"/>
+      </a:schemeClr>
+    </cs:fontRef>
+    <cs:defRPr sz="900" kern="1200"/>
+  </cs:dataLabel>
+  <cs:dataLabelCallout>
+    <cs:lnRef idx="0"/>
+    <cs:fillRef idx="0"/>
+    <cs:effectRef idx="0"/>
+    <cs:fontRef idx="minor">
+      <a:schemeClr val="dk1">
+        <a:lumMod val="65000"/>
+        <a:lumOff val="35000"/>
+      </a:schemeClr>
+    </cs:fontRef>
+    <cs:spPr>
+      <a:solidFill>
+        <a:schemeClr val="lt1"/>
+      </a:solidFill>
+      <a:ln>
+        <a:solidFill>
+          <a:schemeClr val="dk1">
+            <a:lumMod val="25000"/>
+            <a:lumOff val="75000"/>
+          </a:schemeClr>
+        </a:solidFill>
+      </a:ln>
+    </cs:spPr>
+    <cs:defRPr sz="900" kern="1200"/>
+    <cs:bodyPr rot="0" spcFirstLastPara="1" vertOverflow="clip" horzOverflow="clip" vert="horz" wrap="square" lIns="36576" tIns="18288" rIns="36576" bIns="18288" anchor="ctr" anchorCtr="1">
+      <a:spAutoFit/>
+    </cs:bodyPr>
+  </cs:dataLabelCallout>
+  <cs:dataPoint>
+    <cs:lnRef idx="0"/>
+    <cs:fillRef idx="1">
+      <cs:styleClr val="auto"/>
+    </cs:fillRef>
+    <cs:effectRef idx="0"/>
+    <cs:fontRef idx="minor">
+      <a:schemeClr val="tx1"/>
+    </cs:fontRef>
+  </cs:dataPoint>
+  <cs:dataPoint3D>
+    <cs:lnRef idx="0"/>
+    <cs:fillRef idx="1">
+      <cs:styleClr val="auto"/>
+    </cs:fillRef>
+    <cs:effectRef idx="0"/>
+    <cs:fontRef idx="minor">
+      <a:schemeClr val="tx1"/>
+    </cs:fontRef>
+  </cs:dataPoint3D>
+  <cs:dataPointLine>
+    <cs:lnRef idx="0">
+      <cs:styleClr val="auto"/>
+    </cs:lnRef>
+    <cs:fillRef idx="1"/>
+    <cs:effectRef idx="0"/>
+    <cs:fontRef idx="minor">
+      <a:schemeClr val="tx1"/>
+    </cs:fontRef>
+    <cs:spPr>
+      <a:ln w="28575" cap="rnd">
+        <a:solidFill>
+          <a:schemeClr val="phClr"/>
+        </a:solidFill>
+        <a:round/>
+      </a:ln>
+    </cs:spPr>
+  </cs:dataPointLine>
+  <cs:dataPointMarker>
+    <cs:lnRef idx="0">
+      <cs:styleClr val="auto"/>
+    </cs:lnRef>
+    <cs:fillRef idx="1">
+      <cs:styleClr val="auto"/>
+    </cs:fillRef>
+    <cs:effectRef idx="0"/>
+    <cs:fontRef idx="minor">
+      <a:schemeClr val="tx1"/>
+    </cs:fontRef>
+    <cs:spPr>
+      <a:ln w="9525">
+        <a:solidFill>
+          <a:schemeClr val="phClr"/>
+        </a:solidFill>
+      </a:ln>
+    </cs:spPr>
+  </cs:dataPointMarker>
+  <cs:dataPointMarkerLayout symbol="circle" size="5"/>
+  <cs:dataPointWireframe>
+    <cs:lnRef idx="0">
+      <cs:styleClr val="auto"/>
+    </cs:lnRef>
+    <cs:fillRef idx="1"/>
+    <cs:effectRef idx="0"/>
+    <cs:fontRef idx="minor">
+      <a:schemeClr val="tx1"/>
+    </cs:fontRef>
+    <cs:spPr>
+      <a:ln w="9525" cap="rnd">
+        <a:solidFill>
+          <a:schemeClr val="phClr"/>
+        </a:solidFill>
+        <a:round/>
+      </a:ln>
+    </cs:spPr>
+  </cs:dataPointWireframe>
+  <cs:dataTable>
+    <cs:lnRef idx="0"/>
+    <cs:fillRef idx="0"/>
+    <cs:effectRef idx="0"/>
+    <cs:fontRef idx="minor">
+      <a:schemeClr val="tx1">
+        <a:lumMod val="65000"/>
+        <a:lumOff val="35000"/>
+      </a:schemeClr>
+    </cs:fontRef>
+    <cs:spPr>
+      <a:noFill/>
+      <a:ln w="9525" cap="flat" cmpd="sng" algn="ctr">
+        <a:solidFill>
+          <a:schemeClr val="tx1">
+            <a:lumMod val="15000"/>
+            <a:lumOff val="85000"/>
+          </a:schemeClr>
+        </a:solidFill>
+        <a:round/>
+      </a:ln>
+    </cs:spPr>
+    <cs:defRPr sz="900" kern="1200"/>
+  </cs:dataTable>
+  <cs:downBar>
+    <cs:lnRef idx="0"/>
+    <cs:fillRef idx="0"/>
+    <cs:effectRef idx="0"/>
+    <cs:fontRef idx="minor">
+      <a:schemeClr val="dk1"/>
+    </cs:fontRef>
+    <cs:spPr>
+      <a:solidFill>
+        <a:schemeClr val="dk1">
+          <a:lumMod val="65000"/>
+          <a:lumOff val="35000"/>
+        </a:schemeClr>
+      </a:solidFill>
+      <a:ln w="9525">
+        <a:solidFill>
+          <a:schemeClr val="tx1">
+            <a:lumMod val="65000"/>
+            <a:lumOff val="35000"/>
+          </a:schemeClr>
+        </a:solidFill>
+      </a:ln>
+    </cs:spPr>
+  </cs:downBar>
+  <cs:dropLine>
+    <cs:lnRef idx="0"/>
+    <cs:fillRef idx="0"/>
+    <cs:effectRef idx="0"/>
+    <cs:fontRef idx="minor">
+      <a:schemeClr val="tx1"/>
+    </cs:fontRef>
+    <cs:spPr>
+      <a:ln w="9525" cap="flat" cmpd="sng" algn="ctr">
+        <a:solidFill>
+          <a:schemeClr val="tx1">
+            <a:lumMod val="35000"/>
+            <a:lumOff val="65000"/>
+          </a:schemeClr>
+        </a:solidFill>
+        <a:round/>
+      </a:ln>
+    </cs:spPr>
+  </cs:dropLine>
+  <cs:errorBar>
+    <cs:lnRef idx="0"/>
+    <cs:fillRef idx="0"/>
+    <cs:effectRef idx="0"/>
+    <cs:fontRef idx="minor">
+      <a:schemeClr val="tx1"/>
+    </cs:fontRef>
+    <cs:spPr>
+      <a:ln w="9525" cap="flat" cmpd="sng" algn="ctr">
+        <a:solidFill>
+          <a:schemeClr val="tx1">
+            <a:lumMod val="65000"/>
+            <a:lumOff val="35000"/>
+          </a:schemeClr>
+        </a:solidFill>
+        <a:round/>
+      </a:ln>
+    </cs:spPr>
+  </cs:errorBar>
+  <cs:floor>
+    <cs:lnRef idx="0"/>
+    <cs:fillRef idx="0"/>
+    <cs:effectRef idx="0"/>
+    <cs:fontRef idx="minor">
+      <a:schemeClr val="tx1"/>
+    </cs:fontRef>
+    <cs:spPr>
+      <a:noFill/>
+      <a:ln>
+        <a:noFill/>
+      </a:ln>
+    </cs:spPr>
+  </cs:floor>
+  <cs:gridlineMajor>
+    <cs:lnRef idx="0"/>
+    <cs:fillRef idx="0"/>
+    <cs:effectRef idx="0"/>
+    <cs:fontRef idx="minor">
+      <a:schemeClr val="tx1"/>
+    </cs:fontRef>
+    <cs:spPr>
+      <a:ln w="9525" cap="flat" cmpd="sng" algn="ctr">
+        <a:solidFill>
+          <a:schemeClr val="tx1">
+            <a:lumMod val="15000"/>
+            <a:lumOff val="85000"/>
+          </a:schemeClr>
+        </a:solidFill>
+        <a:round/>
+      </a:ln>
+    </cs:spPr>
+  </cs:gridlineMajor>
+  <cs:gridlineMinor>
+    <cs:lnRef idx="0"/>
+    <cs:fillRef idx="0"/>
+    <cs:effectRef idx="0"/>
+    <cs:fontRef idx="minor">
+      <a:schemeClr val="tx1"/>
+    </cs:fontRef>
+    <cs:spPr>
+      <a:ln w="9525" cap="flat" cmpd="sng" algn="ctr">
+        <a:solidFill>
+          <a:schemeClr val="tx1">
+            <a:lumMod val="5000"/>
+            <a:lumOff val="95000"/>
+          </a:schemeClr>
+        </a:solidFill>
+        <a:round/>
+      </a:ln>
+    </cs:spPr>
+  </cs:gridlineMinor>
+  <cs:hiLoLine>
+    <cs:lnRef idx="0"/>
+    <cs:fillRef idx="0"/>
+    <cs:effectRef idx="0"/>
+    <cs:fontRef idx="minor">
+      <a:schemeClr val="tx1"/>
+    </cs:fontRef>
+    <cs:spPr>
+      <a:ln w="9525" cap="flat" cmpd="sng" algn="ctr">
+        <a:solidFill>
+          <a:schemeClr val="tx1">
+            <a:lumMod val="75000"/>
+            <a:lumOff val="25000"/>
+          </a:schemeClr>
+        </a:solidFill>
+        <a:round/>
+      </a:ln>
+    </cs:spPr>
+  </cs:hiLoLine>
+  <cs:leaderLine>
+    <cs:lnRef idx="0"/>
+    <cs:fillRef idx="0"/>
+    <cs:effectRef idx="0"/>
+    <cs:fontRef idx="minor">
+      <a:schemeClr val="tx1"/>
+    </cs:fontRef>
+    <cs:spPr>
+      <a:ln w="9525" cap="flat" cmpd="sng" algn="ctr">
+        <a:solidFill>
+          <a:schemeClr val="tx1">
+            <a:lumMod val="35000"/>
+            <a:lumOff val="65000"/>
+          </a:schemeClr>
+        </a:solidFill>
+        <a:round/>
+      </a:ln>
+    </cs:spPr>
+  </cs:leaderLine>
+  <cs:legend>
+    <cs:lnRef idx="0"/>
+    <cs:fillRef idx="0"/>
+    <cs:effectRef idx="0"/>
+    <cs:fontRef idx="minor">
+      <a:schemeClr val="tx1">
+        <a:lumMod val="65000"/>
+        <a:lumOff val="35000"/>
+      </a:schemeClr>
+    </cs:fontRef>
+    <cs:defRPr sz="900" kern="1200"/>
+  </cs:legend>
+  <cs:plotArea mods="allowNoFillOverride allowNoLineOverride">
+    <cs:lnRef idx="0"/>
+    <cs:fillRef idx="0"/>
+    <cs:effectRef idx="0"/>
+    <cs:fontRef idx="minor">
+      <a:schemeClr val="tx1"/>
+    </cs:fontRef>
+  </cs:plotArea>
+  <cs:plotArea3D mods="allowNoFillOverride allowNoLineOverride">
+    <cs:lnRef idx="0"/>
+    <cs:fillRef idx="0"/>
+    <cs:effectRef idx="0"/>
+    <cs:fontRef idx="minor">
+      <a:schemeClr val="tx1"/>
+    </cs:fontRef>
+  </cs:plotArea3D>
+  <cs:seriesAxis>
+    <cs:lnRef idx="0"/>
+    <cs:fillRef idx="0"/>
+    <cs:effectRef idx="0"/>
+    <cs:fontRef idx="minor">
+      <a:schemeClr val="tx1">
+        <a:lumMod val="65000"/>
+        <a:lumOff val="35000"/>
+      </a:schemeClr>
+    </cs:fontRef>
+    <cs:defRPr sz="900" kern="1200"/>
+  </cs:seriesAxis>
+  <cs:seriesLine>
+    <cs:lnRef idx="0"/>
+    <cs:fillRef idx="0"/>
+    <cs:effectRef idx="0"/>
+    <cs:fontRef idx="minor">
+      <a:schemeClr val="tx1"/>
+    </cs:fontRef>
+    <cs:spPr>
+      <a:ln w="9525" cap="flat" cmpd="sng" algn="ctr">
+        <a:solidFill>
+          <a:schemeClr val="tx1">
+            <a:lumMod val="35000"/>
+            <a:lumOff val="65000"/>
+          </a:schemeClr>
+        </a:solidFill>
+        <a:round/>
+      </a:ln>
+    </cs:spPr>
+  </cs:seriesLine>
+  <cs:title>
+    <cs:lnRef idx="0"/>
+    <cs:fillRef idx="0"/>
+    <cs:effectRef idx="0"/>
+    <cs:fontRef idx="minor">
+      <a:schemeClr val="tx1">
+        <a:lumMod val="65000"/>
+        <a:lumOff val="35000"/>
+      </a:schemeClr>
+    </cs:fontRef>
+    <cs:defRPr sz="1400" b="0" kern="1200" spc="0" baseline="0"/>
+  </cs:title>
+  <cs:trendline>
+    <cs:lnRef idx="0">
+      <cs:styleClr val="auto"/>
+    </cs:lnRef>
+    <cs:fillRef idx="0"/>
+    <cs:effectRef idx="0"/>
+    <cs:fontRef idx="minor">
+      <a:schemeClr val="tx1"/>
+    </cs:fontRef>
+    <cs:spPr>
+      <a:ln w="19050" cap="rnd">
+        <a:solidFill>
+          <a:schemeClr val="phClr"/>
+        </a:solidFill>
+        <a:prstDash val="sysDot"/>
+      </a:ln>
+    </cs:spPr>
+  </cs:trendline>
+  <cs:trendlineLabel>
+    <cs:lnRef idx="0"/>
+    <cs:fillRef idx="0"/>
+    <cs:effectRef idx="0"/>
+    <cs:fontRef idx="minor">
+      <a:schemeClr val="tx1">
+        <a:lumMod val="65000"/>
+        <a:lumOff val="35000"/>
+      </a:schemeClr>
+    </cs:fontRef>
+    <cs:defRPr sz="900" kern="1200"/>
+  </cs:trendlineLabel>
+  <cs:upBar>
+    <cs:lnRef idx="0"/>
+    <cs:fillRef idx="0"/>
+    <cs:effectRef idx="0"/>
+    <cs:fontRef idx="minor">
+      <a:schemeClr val="dk1"/>
+    </cs:fontRef>
+    <cs:spPr>
+      <a:solidFill>
+        <a:schemeClr val="lt1"/>
+      </a:solidFill>
+      <a:ln w="9525">
+        <a:solidFill>
+          <a:schemeClr val="tx1">
+            <a:lumMod val="15000"/>
+            <a:lumOff val="85000"/>
+          </a:schemeClr>
+        </a:solidFill>
+      </a:ln>
+    </cs:spPr>
+  </cs:upBar>
+  <cs:valueAxis>
+    <cs:lnRef idx="0"/>
+    <cs:fillRef idx="0"/>
+    <cs:effectRef idx="0"/>
+    <cs:fontRef idx="minor">
+      <a:schemeClr val="tx1">
+        <a:lumMod val="65000"/>
+        <a:lumOff val="35000"/>
+      </a:schemeClr>
+    </cs:fontRef>
+    <cs:defRPr sz="900" kern="1200"/>
+  </cs:valueAxis>
+  <cs:wall>
+    <cs:lnRef idx="0"/>
+    <cs:fillRef idx="0"/>
+    <cs:effectRef idx="0"/>
+    <cs:fontRef idx="minor">
+      <a:schemeClr val="tx1"/>
+    </cs:fontRef>
+    <cs:spPr>
+      <a:noFill/>
+      <a:ln>
+        <a:noFill/>
+      </a:ln>
+    </cs:spPr>
+  </cs:wall>
+</cs:chartStyle>
 </file>
 
 <file path=ppt/diagrams/colors1.xml><?xml version="1.0" encoding="utf-8"?>
@@ -3035,6 +4252,57 @@
 </dgm:styleDef>
 </file>
 
+<file path=ppt/drawings/drawing1.xml><?xml version="1.0" encoding="utf-8"?>
+<c:userShapes xmlns:c="http://schemas.openxmlformats.org/drawingml/2006/chart">
+  <cdr:relSizeAnchor xmlns:cdr="http://schemas.openxmlformats.org/drawingml/2006/chartDrawing">
+    <cdr:from>
+      <cdr:x>0.52591</cdr:x>
+      <cdr:y>0.25241</cdr:y>
+    </cdr:from>
+    <cdr:to>
+      <cdr:x>0.80377</cdr:x>
+      <cdr:y>0.33428</cdr:y>
+    </cdr:to>
+    <cdr:sp macro="" textlink="">
+      <cdr:nvSpPr>
+        <cdr:cNvPr id="2" name="Left Brace 1"/>
+        <cdr:cNvSpPr/>
+      </cdr:nvSpPr>
+      <cdr:spPr>
+        <a:xfrm xmlns:a="http://schemas.openxmlformats.org/drawingml/2006/main" rot="2971508">
+          <a:off x="3964295" y="404476"/>
+          <a:ext cx="354446" cy="1730911"/>
+        </a:xfrm>
+        <a:prstGeom xmlns:a="http://schemas.openxmlformats.org/drawingml/2006/main" prst="leftBrace">
+          <a:avLst/>
+        </a:prstGeom>
+      </cdr:spPr>
+      <cdr:style>
+        <a:lnRef xmlns:a="http://schemas.openxmlformats.org/drawingml/2006/main" idx="1">
+          <a:schemeClr val="accent1"/>
+        </a:lnRef>
+        <a:fillRef xmlns:a="http://schemas.openxmlformats.org/drawingml/2006/main" idx="0">
+          <a:schemeClr val="accent1"/>
+        </a:fillRef>
+        <a:effectRef xmlns:a="http://schemas.openxmlformats.org/drawingml/2006/main" idx="0">
+          <a:schemeClr val="accent1"/>
+        </a:effectRef>
+        <a:fontRef xmlns:a="http://schemas.openxmlformats.org/drawingml/2006/main" idx="minor">
+          <a:schemeClr val="tx1"/>
+        </a:fontRef>
+      </cdr:style>
+      <cdr:txBody>
+        <a:bodyPr xmlns:a="http://schemas.openxmlformats.org/drawingml/2006/main" vertOverflow="clip"/>
+        <a:lstStyle xmlns:a="http://schemas.openxmlformats.org/drawingml/2006/main"/>
+        <a:p xmlns:a="http://schemas.openxmlformats.org/drawingml/2006/main">
+          <a:endParaRPr lang="en-US"/>
+        </a:p>
+      </cdr:txBody>
+    </cdr:sp>
+  </cdr:relSizeAnchor>
+</c:userShapes>
+</file>
+
 <file path=ppt/notesMasters/notesMaster1.xml><?xml version="1.0" encoding="utf-8"?>
 <p:notesMaster xmlns:a="http://schemas.openxmlformats.org/drawingml/2006/main" xmlns:r="http://schemas.openxmlformats.org/officeDocument/2006/relationships" xmlns:p="http://schemas.openxmlformats.org/presentationml/2006/main">
   <p:cSld>
@@ -3117,7 +4385,7 @@
           <a:p>
             <a:fld id="{B1C46BBB-769C-F640-B863-1BAFC25FDA47}" type="datetimeFigureOut">
               <a:rPr lang="en-US" smtClean="0"/>
-              <a:t>5/29/19</a:t>
+              <a:t>6/6/19</a:t>
             </a:fld>
             <a:endParaRPr lang="en-US"/>
           </a:p>
@@ -3764,7 +5032,7 @@
           <a:bodyPr/>
           <a:lstStyle/>
           <a:p>
-            <a:endParaRPr lang="en-US"/>
+            <a:endParaRPr lang="en-US" dirty="0"/>
           </a:p>
         </p:txBody>
       </p:sp>
@@ -3785,7 +5053,91 @@
           <a:p>
             <a:fld id="{87BCA45A-5439-9043-AB67-CC6F360403AF}" type="slidenum">
               <a:rPr lang="en-US" smtClean="0"/>
-              <a:t>25</a:t>
+              <a:t>22</a:t>
+            </a:fld>
+            <a:endParaRPr lang="en-US"/>
+          </a:p>
+        </p:txBody>
+      </p:sp>
+    </p:spTree>
+    <p:extLst>
+      <p:ext uri="{BB962C8B-B14F-4D97-AF65-F5344CB8AC3E}">
+        <p14:creationId xmlns:p14="http://schemas.microsoft.com/office/powerpoint/2010/main" val="2174307568"/>
+      </p:ext>
+    </p:extLst>
+  </p:cSld>
+  <p:clrMapOvr>
+    <a:masterClrMapping/>
+  </p:clrMapOvr>
+</p:notes>
+</file>
+
+<file path=ppt/notesSlides/notesSlide6.xml><?xml version="1.0" encoding="utf-8"?>
+<p:notes xmlns:a="http://schemas.openxmlformats.org/drawingml/2006/main" xmlns:r="http://schemas.openxmlformats.org/officeDocument/2006/relationships" xmlns:p="http://schemas.openxmlformats.org/presentationml/2006/main">
+  <p:cSld>
+    <p:spTree>
+      <p:nvGrpSpPr>
+        <p:cNvPr id="1" name=""/>
+        <p:cNvGrpSpPr/>
+        <p:nvPr/>
+      </p:nvGrpSpPr>
+      <p:grpSpPr>
+        <a:xfrm>
+          <a:off x="0" y="0"/>
+          <a:ext cx="0" cy="0"/>
+          <a:chOff x="0" y="0"/>
+          <a:chExt cx="0" cy="0"/>
+        </a:xfrm>
+      </p:grpSpPr>
+      <p:sp>
+        <p:nvSpPr>
+          <p:cNvPr id="2" name="Slide Image Placeholder 1"/>
+          <p:cNvSpPr>
+            <a:spLocks noGrp="1" noRot="1" noChangeAspect="1"/>
+          </p:cNvSpPr>
+          <p:nvPr>
+            <p:ph type="sldImg"/>
+          </p:nvPr>
+        </p:nvSpPr>
+        <p:spPr/>
+      </p:sp>
+      <p:sp>
+        <p:nvSpPr>
+          <p:cNvPr id="3" name="Notes Placeholder 2"/>
+          <p:cNvSpPr>
+            <a:spLocks noGrp="1"/>
+          </p:cNvSpPr>
+          <p:nvPr>
+            <p:ph type="body" idx="1"/>
+          </p:nvPr>
+        </p:nvSpPr>
+        <p:spPr/>
+        <p:txBody>
+          <a:bodyPr/>
+          <a:lstStyle/>
+          <a:p>
+            <a:endParaRPr lang="en-US"/>
+          </a:p>
+        </p:txBody>
+      </p:sp>
+      <p:sp>
+        <p:nvSpPr>
+          <p:cNvPr id="4" name="Slide Number Placeholder 3"/>
+          <p:cNvSpPr>
+            <a:spLocks noGrp="1"/>
+          </p:cNvSpPr>
+          <p:nvPr>
+            <p:ph type="sldNum" sz="quarter" idx="10"/>
+          </p:nvPr>
+        </p:nvSpPr>
+        <p:spPr/>
+        <p:txBody>
+          <a:bodyPr/>
+          <a:lstStyle/>
+          <a:p>
+            <a:fld id="{87BCA45A-5439-9043-AB67-CC6F360403AF}" type="slidenum">
+              <a:rPr lang="en-US" smtClean="0"/>
+              <a:t>26</a:t>
             </a:fld>
             <a:endParaRPr lang="en-US"/>
           </a:p>
@@ -4602,7 +5954,7 @@
           <a:p>
             <a:fld id="{6630C5E9-B44B-E541-9C96-58C780E2700B}" type="datetime1">
               <a:rPr lang="en-US" smtClean="0"/>
-              <a:t>5/29/19</a:t>
+              <a:t>6/6/19</a:t>
             </a:fld>
             <a:endParaRPr lang="en-US" dirty="0"/>
           </a:p>
@@ -5020,7 +6372,7 @@
           <a:p>
             <a:fld id="{B932330B-85DB-2945-8BBB-36433FD0B9FB}" type="datetime1">
               <a:rPr lang="en-US" smtClean="0"/>
-              <a:t>5/29/19</a:t>
+              <a:t>6/6/19</a:t>
             </a:fld>
             <a:endParaRPr lang="en-US" dirty="0"/>
           </a:p>
@@ -5250,7 +6602,7 @@
           <a:p>
             <a:fld id="{1E936836-4BD4-6D4C-BE1F-C28FD1AD111F}" type="datetime1">
               <a:rPr lang="en-US" smtClean="0"/>
-              <a:t>5/29/19</a:t>
+              <a:t>6/6/19</a:t>
             </a:fld>
             <a:endParaRPr lang="en-US" dirty="0"/>
           </a:p>
@@ -5416,7 +6768,7 @@
           <a:p>
             <a:fld id="{38E0686B-946B-AF46-AF60-C1A18FFEDB0A}" type="datetime1">
               <a:rPr lang="en-US" smtClean="0"/>
-              <a:t>5/29/19</a:t>
+              <a:t>6/6/19</a:t>
             </a:fld>
             <a:endParaRPr lang="en-US" dirty="0"/>
           </a:p>
@@ -5870,7 +7222,7 @@
           <a:p>
             <a:fld id="{77D213BD-39DB-9243-A6E0-093589D3B12F}" type="datetime1">
               <a:rPr lang="en-US" smtClean="0"/>
-              <a:t>5/29/19</a:t>
+              <a:t>6/6/19</a:t>
             </a:fld>
             <a:endParaRPr lang="en-US" dirty="0"/>
           </a:p>
@@ -6107,7 +7459,7 @@
           <a:p>
             <a:fld id="{6884049F-3F21-7946-8F11-196ECA5684F2}" type="datetime1">
               <a:rPr lang="en-US" smtClean="0"/>
-              <a:t>5/29/19</a:t>
+              <a:t>6/6/19</a:t>
             </a:fld>
             <a:endParaRPr lang="en-US"/>
           </a:p>
@@ -6670,7 +8022,7 @@
           <a:p>
             <a:fld id="{6F76EE20-3B93-9543-8AC4-8D2D0FABB7DE}" type="datetime1">
               <a:rPr lang="en-US" smtClean="0"/>
-              <a:t>5/29/19</a:t>
+              <a:t>6/6/19</a:t>
             </a:fld>
             <a:endParaRPr lang="en-US" dirty="0"/>
           </a:p>
@@ -6954,7 +8306,7 @@
           <a:p>
             <a:fld id="{0E5B28DF-5769-BA4A-8F1D-EBF906810DA7}" type="datetime1">
               <a:rPr lang="en-US" smtClean="0"/>
-              <a:t>5/29/19</a:t>
+              <a:t>6/6/19</a:t>
             </a:fld>
             <a:endParaRPr lang="en-US" dirty="0"/>
           </a:p>
@@ -7131,7 +8483,7 @@
           <a:p>
             <a:fld id="{C55A5A5A-F26A-0E43-A6E6-FE482F5E81AC}" type="datetime1">
               <a:rPr lang="en-US" smtClean="0"/>
-              <a:t>5/29/19</a:t>
+              <a:t>6/6/19</a:t>
             </a:fld>
             <a:endParaRPr lang="en-US" dirty="0"/>
           </a:p>
@@ -7464,7 +8816,7 @@
           <a:p>
             <a:fld id="{4C433549-939B-1E4C-8659-96530C8247A9}" type="datetime1">
               <a:rPr lang="en-US" smtClean="0"/>
-              <a:t>5/29/19</a:t>
+              <a:t>6/6/19</a:t>
             </a:fld>
             <a:endParaRPr lang="en-US" dirty="0"/>
           </a:p>
@@ -7875,7 +9227,7 @@
           <a:p>
             <a:fld id="{76E041FD-D182-6A49-A3D6-DCB4B4D18CD0}" type="datetime1">
               <a:rPr lang="en-US" smtClean="0"/>
-              <a:t>5/29/19</a:t>
+              <a:t>6/6/19</a:t>
             </a:fld>
             <a:endParaRPr lang="en-US" dirty="0"/>
           </a:p>
@@ -8250,35 +9602,6 @@
           </a:p>
         </p:txBody>
       </p:sp>
-      <p:pic>
-        <p:nvPicPr>
-          <p:cNvPr id="6" name="Content Placeholder 5"/>
-          <p:cNvPicPr>
-            <a:picLocks noGrp="1" noChangeAspect="1"/>
-          </p:cNvPicPr>
-          <p:nvPr>
-            <p:ph idx="1"/>
-          </p:nvPr>
-        </p:nvPicPr>
-        <p:blipFill>
-          <a:blip r:embed="rId3">
-            <a:extLst>
-              <a:ext uri="{28A0092B-C50C-407E-A947-70E740481C1C}">
-                <a14:useLocalDpi xmlns:a14="http://schemas.microsoft.com/office/drawing/2010/main"/>
-              </a:ext>
-            </a:extLst>
-          </a:blip>
-          <a:stretch>
-            <a:fillRect/>
-          </a:stretch>
-        </p:blipFill>
-        <p:spPr>
-          <a:xfrm>
-            <a:off x="4946650" y="304800"/>
-            <a:ext cx="6286500" cy="5829300"/>
-          </a:xfrm>
-        </p:spPr>
-      </p:pic>
       <p:sp>
         <p:nvSpPr>
           <p:cNvPr id="4" name="Text Placeholder 3"/>
@@ -8320,7 +9643,7 @@
           <a:p>
             <a:fld id="{50E086CE-0393-244C-B7EC-39F780F54528}" type="datetime1">
               <a:rPr lang="en-US" smtClean="0"/>
-              <a:t>5/29/19</a:t>
+              <a:t>6/6/19</a:t>
             </a:fld>
             <a:endParaRPr lang="en-US" dirty="0"/>
           </a:p>
@@ -8382,7 +9705,7 @@
           <p:nvPr/>
         </p:nvPicPr>
         <p:blipFill>
-          <a:blip r:embed="rId4">
+          <a:blip r:embed="rId3">
             <a:extLst>
               <a:ext uri="{28A0092B-C50C-407E-A947-70E740481C1C}">
                 <a14:useLocalDpi xmlns:a14="http://schemas.microsoft.com/office/drawing/2010/main"/>
@@ -8403,62 +9726,37 @@
           </a:prstGeom>
         </p:spPr>
       </p:pic>
-      <p:sp>
-        <p:nvSpPr>
-          <p:cNvPr id="10" name="Curved Left Arrow 9"/>
-          <p:cNvSpPr/>
-          <p:nvPr/>
-        </p:nvSpPr>
-        <p:spPr>
-          <a:xfrm>
-            <a:off x="10851621" y="5205806"/>
-            <a:ext cx="1183341" cy="813994"/>
-          </a:xfrm>
-          <a:prstGeom prst="curvedLeftArrow">
-            <a:avLst>
-              <a:gd name="adj1" fmla="val 25000"/>
-              <a:gd name="adj2" fmla="val 45578"/>
-              <a:gd name="adj3" fmla="val 25000"/>
-            </a:avLst>
-          </a:prstGeom>
-          <a:solidFill>
-            <a:srgbClr val="91070B"/>
-          </a:solidFill>
-          <a:ln>
-            <a:solidFill>
-              <a:srgbClr val="C00000"/>
-            </a:solidFill>
-          </a:ln>
-        </p:spPr>
-        <p:style>
-          <a:lnRef idx="2">
-            <a:schemeClr val="accent1">
-              <a:shade val="50000"/>
-            </a:schemeClr>
-          </a:lnRef>
-          <a:fillRef idx="1">
-            <a:schemeClr val="accent1"/>
-          </a:fillRef>
-          <a:effectRef idx="0">
-            <a:schemeClr val="accent1"/>
-          </a:effectRef>
-          <a:fontRef idx="minor">
-            <a:schemeClr val="lt1"/>
-          </a:fontRef>
-        </p:style>
-        <p:txBody>
-          <a:bodyPr rtlCol="0" anchor="ctr"/>
-          <a:lstStyle/>
-          <a:p>
-            <a:pPr algn="ctr"/>
-            <a:endParaRPr lang="en-US">
-              <a:solidFill>
-                <a:schemeClr val="tx1"/>
-              </a:solidFill>
-            </a:endParaRPr>
-          </a:p>
-        </p:txBody>
-      </p:sp>
+      <p:graphicFrame>
+        <p:nvGraphicFramePr>
+          <p:cNvPr id="12" name="Content Placeholder 11">
+            <a:extLst>
+              <a:ext uri="{FF2B5EF4-FFF2-40B4-BE49-F238E27FC236}">
+                <a16:creationId xmlns:a16="http://schemas.microsoft.com/office/drawing/2014/main" id="{FA23AF2F-E5D4-8B4E-84FA-6E9F0ED54637}"/>
+              </a:ext>
+            </a:extLst>
+          </p:cNvPr>
+          <p:cNvGraphicFramePr>
+            <a:graphicFrameLocks noGrp="1"/>
+          </p:cNvGraphicFramePr>
+          <p:nvPr>
+            <p:ph idx="1"/>
+            <p:extLst>
+              <p:ext uri="{D42A27DB-BD31-4B8C-83A1-F6EECF244321}">
+                <p14:modId xmlns:p14="http://schemas.microsoft.com/office/powerpoint/2010/main" val="554126091"/>
+              </p:ext>
+            </p:extLst>
+          </p:nvPr>
+        </p:nvGraphicFramePr>
+        <p:xfrm>
+          <a:off x="4422775" y="400340"/>
+          <a:ext cx="7312025" cy="5921375"/>
+        </p:xfrm>
+        <a:graphic>
+          <a:graphicData uri="http://schemas.openxmlformats.org/drawingml/2006/chart">
+            <c:chart xmlns:c="http://schemas.openxmlformats.org/drawingml/2006/chart" xmlns:r="http://schemas.openxmlformats.org/officeDocument/2006/relationships" r:id="rId4"/>
+          </a:graphicData>
+        </a:graphic>
+      </p:graphicFrame>
     </p:spTree>
     <p:extLst>
       <p:ext uri="{BB962C8B-B14F-4D97-AF65-F5344CB8AC3E}">
@@ -8677,7 +9975,7 @@
           <a:p>
             <a:fld id="{479103AC-B114-C743-9E95-35FD677CE5A7}" type="datetime1">
               <a:rPr lang="en-US" smtClean="0"/>
-              <a:t>5/29/19</a:t>
+              <a:t>6/6/19</a:t>
             </a:fld>
             <a:endParaRPr lang="en-US" dirty="0"/>
           </a:p>
@@ -9068,7 +10366,7 @@
           <a:p>
             <a:fld id="{9780D077-50CF-614B-A9AD-363B0748C2EE}" type="datetime1">
               <a:rPr lang="en-US" smtClean="0"/>
-              <a:t>5/29/19</a:t>
+              <a:t>6/6/19</a:t>
             </a:fld>
             <a:endParaRPr lang="en-US" dirty="0"/>
           </a:p>
@@ -9278,7 +10576,7 @@
           <a:p>
             <a:fld id="{C137C3F3-1A34-9143-BE8C-DC56B27E1F85}" type="datetime1">
               <a:rPr lang="en-US" smtClean="0"/>
-              <a:t>5/29/19</a:t>
+              <a:t>6/6/19</a:t>
             </a:fld>
             <a:endParaRPr lang="en-US" dirty="0"/>
           </a:p>
@@ -9531,7 +10829,7 @@
           <a:p>
             <a:fld id="{1A304461-418C-694C-BD6D-6E81F9AF9BAC}" type="datetime1">
               <a:rPr lang="en-US" smtClean="0"/>
-              <a:t>5/29/19</a:t>
+              <a:t>6/6/19</a:t>
             </a:fld>
             <a:endParaRPr lang="en-US" dirty="0"/>
           </a:p>
@@ -9924,7 +11222,7 @@
           <a:p>
             <a:fld id="{63401FBE-FFC6-D647-9A0F-9791886E2F51}" type="datetime1">
               <a:rPr lang="en-US" smtClean="0"/>
-              <a:t>5/29/19</a:t>
+              <a:t>6/6/19</a:t>
             </a:fld>
             <a:endParaRPr lang="en-US" dirty="0"/>
           </a:p>
@@ -10310,7 +11608,7 @@
           <a:p>
             <a:fld id="{80884AAC-CE80-B44B-A796-ECF07142A8C8}" type="datetime1">
               <a:rPr lang="en-US" smtClean="0"/>
-              <a:t>5/29/19</a:t>
+              <a:t>6/6/19</a:t>
             </a:fld>
             <a:endParaRPr lang="en-US" dirty="0"/>
           </a:p>
@@ -10507,7 +11805,7 @@
           <a:p>
             <a:fld id="{C7E82B8D-46B0-8D40-B10E-B840E8837EEB}" type="datetime1">
               <a:rPr lang="en-US" smtClean="0"/>
-              <a:t>5/29/19</a:t>
+              <a:t>6/6/19</a:t>
             </a:fld>
             <a:endParaRPr lang="en-US" dirty="0"/>
           </a:p>
@@ -10646,6 +11944,293 @@
 </file>
 
 <file path=ppt/slides/slide22.xml><?xml version="1.0" encoding="utf-8"?>
+<p:sld xmlns:a="http://schemas.openxmlformats.org/drawingml/2006/main" xmlns:r="http://schemas.openxmlformats.org/officeDocument/2006/relationships" xmlns:p="http://schemas.openxmlformats.org/presentationml/2006/main">
+  <p:cSld>
+    <p:spTree>
+      <p:nvGrpSpPr>
+        <p:cNvPr id="1" name=""/>
+        <p:cNvGrpSpPr/>
+        <p:nvPr/>
+      </p:nvGrpSpPr>
+      <p:grpSpPr>
+        <a:xfrm>
+          <a:off x="0" y="0"/>
+          <a:ext cx="0" cy="0"/>
+          <a:chOff x="0" y="0"/>
+          <a:chExt cx="0" cy="0"/>
+        </a:xfrm>
+      </p:grpSpPr>
+      <p:pic>
+        <p:nvPicPr>
+          <p:cNvPr id="15" name="Content Placeholder 14">
+            <a:extLst>
+              <a:ext uri="{FF2B5EF4-FFF2-40B4-BE49-F238E27FC236}">
+                <a16:creationId xmlns:a16="http://schemas.microsoft.com/office/drawing/2014/main" id="{B9764DEA-2141-334A-9A89-80F7ACACB4FA}"/>
+              </a:ext>
+            </a:extLst>
+          </p:cNvPr>
+          <p:cNvPicPr>
+            <a:picLocks noGrp="1" noChangeAspect="1"/>
+          </p:cNvPicPr>
+          <p:nvPr>
+            <p:ph idx="1"/>
+          </p:nvPr>
+        </p:nvPicPr>
+        <p:blipFill>
+          <a:blip r:embed="rId3"/>
+          <a:stretch>
+            <a:fillRect/>
+          </a:stretch>
+        </p:blipFill>
+        <p:spPr>
+          <a:xfrm>
+            <a:off x="4314244" y="847582"/>
+            <a:ext cx="7504231" cy="5457622"/>
+          </a:xfrm>
+          <a:prstGeom prst="rect">
+            <a:avLst/>
+          </a:prstGeom>
+        </p:spPr>
+      </p:pic>
+      <p:sp>
+        <p:nvSpPr>
+          <p:cNvPr id="2" name="Title 1"/>
+          <p:cNvSpPr>
+            <a:spLocks noGrp="1"/>
+          </p:cNvSpPr>
+          <p:nvPr>
+            <p:ph type="title"/>
+          </p:nvPr>
+        </p:nvSpPr>
+        <p:spPr/>
+        <p:txBody>
+          <a:bodyPr>
+            <a:normAutofit fontScale="90000"/>
+          </a:bodyPr>
+          <a:lstStyle/>
+          <a:p>
+            <a:r>
+              <a:rPr lang="en-US" dirty="0"/>
+              <a:t>Other human resources play a role in observed impact</a:t>
+            </a:r>
+          </a:p>
+        </p:txBody>
+      </p:sp>
+      <p:sp>
+        <p:nvSpPr>
+          <p:cNvPr id="4" name="Text Placeholder 3"/>
+          <p:cNvSpPr>
+            <a:spLocks noGrp="1"/>
+          </p:cNvSpPr>
+          <p:nvPr>
+            <p:ph type="body" sz="half" idx="2"/>
+          </p:nvPr>
+        </p:nvSpPr>
+        <p:spPr>
+          <a:xfrm>
+            <a:off x="457200" y="2726267"/>
+            <a:ext cx="3200400" cy="3578937"/>
+          </a:xfrm>
+        </p:spPr>
+        <p:txBody>
+          <a:bodyPr>
+            <a:normAutofit/>
+          </a:bodyPr>
+          <a:lstStyle/>
+          <a:p>
+            <a:r>
+              <a:rPr lang="en-US" sz="2800" dirty="0"/>
+              <a:t>Use of new TB testing (target of training) spikes for providers on days they are visited by field support teams.</a:t>
+            </a:r>
+          </a:p>
+        </p:txBody>
+      </p:sp>
+      <p:sp>
+        <p:nvSpPr>
+          <p:cNvPr id="5" name="Date Placeholder 4"/>
+          <p:cNvSpPr>
+            <a:spLocks noGrp="1"/>
+          </p:cNvSpPr>
+          <p:nvPr>
+            <p:ph type="dt" sz="half" idx="10"/>
+          </p:nvPr>
+        </p:nvSpPr>
+        <p:spPr/>
+        <p:txBody>
+          <a:bodyPr/>
+          <a:lstStyle/>
+          <a:p>
+            <a:r>
+              <a:rPr lang="x-none"/>
+              <a:t>5/29/18</a:t>
+            </a:r>
+            <a:endParaRPr lang="en-US"/>
+          </a:p>
+        </p:txBody>
+      </p:sp>
+      <p:sp>
+        <p:nvSpPr>
+          <p:cNvPr id="6" name="Footer Placeholder 5"/>
+          <p:cNvSpPr>
+            <a:spLocks noGrp="1"/>
+          </p:cNvSpPr>
+          <p:nvPr>
+            <p:ph type="ftr" sz="quarter" idx="11"/>
+          </p:nvPr>
+        </p:nvSpPr>
+        <p:spPr/>
+        <p:txBody>
+          <a:bodyPr/>
+          <a:lstStyle/>
+          <a:p>
+            <a:r>
+              <a:rPr lang="en-US"/>
+              <a:t>www.qutubproject.org</a:t>
+            </a:r>
+          </a:p>
+        </p:txBody>
+      </p:sp>
+      <p:sp>
+        <p:nvSpPr>
+          <p:cNvPr id="7" name="Slide Number Placeholder 6"/>
+          <p:cNvSpPr>
+            <a:spLocks noGrp="1"/>
+          </p:cNvSpPr>
+          <p:nvPr>
+            <p:ph type="sldNum" sz="quarter" idx="12"/>
+          </p:nvPr>
+        </p:nvSpPr>
+        <p:spPr/>
+        <p:txBody>
+          <a:bodyPr/>
+          <a:lstStyle/>
+          <a:p>
+            <a:fld id="{F33070A3-E11F-9F42-BDC9-E3C8DD943D05}" type="slidenum">
+              <a:rPr lang="en-US" smtClean="0"/>
+              <a:t>22</a:t>
+            </a:fld>
+            <a:endParaRPr lang="en-US"/>
+          </a:p>
+        </p:txBody>
+      </p:sp>
+      <p:sp>
+        <p:nvSpPr>
+          <p:cNvPr id="3" name="TextBox 2"/>
+          <p:cNvSpPr txBox="1"/>
+          <p:nvPr/>
+        </p:nvSpPr>
+        <p:spPr>
+          <a:xfrm>
+            <a:off x="9299016" y="202224"/>
+            <a:ext cx="1913467" cy="1200329"/>
+          </a:xfrm>
+          <a:prstGeom prst="rect">
+            <a:avLst/>
+          </a:prstGeom>
+          <a:noFill/>
+        </p:spPr>
+        <p:txBody>
+          <a:bodyPr wrap="square" rtlCol="0">
+            <a:spAutoFit/>
+          </a:bodyPr>
+          <a:lstStyle/>
+          <a:p>
+            <a:r>
+              <a:rPr lang="en-US" dirty="0"/>
+              <a:t>Huge bump in GX use on the day of a field visit.</a:t>
+            </a:r>
+          </a:p>
+          <a:p>
+            <a:endParaRPr lang="en-US" dirty="0"/>
+          </a:p>
+        </p:txBody>
+      </p:sp>
+      <p:cxnSp>
+        <p:nvCxnSpPr>
+          <p:cNvPr id="10" name="Straight Arrow Connector 9"/>
+          <p:cNvCxnSpPr>
+            <a:cxnSpLocks/>
+          </p:cNvCxnSpPr>
+          <p:nvPr/>
+        </p:nvCxnSpPr>
+        <p:spPr>
+          <a:xfrm flipH="1">
+            <a:off x="8517468" y="693001"/>
+            <a:ext cx="781548" cy="946247"/>
+          </a:xfrm>
+          <a:prstGeom prst="straightConnector1">
+            <a:avLst/>
+          </a:prstGeom>
+          <a:ln>
+            <a:tailEnd type="triangle"/>
+          </a:ln>
+        </p:spPr>
+        <p:style>
+          <a:lnRef idx="3">
+            <a:schemeClr val="dk1"/>
+          </a:lnRef>
+          <a:fillRef idx="0">
+            <a:schemeClr val="dk1"/>
+          </a:fillRef>
+          <a:effectRef idx="2">
+            <a:schemeClr val="dk1"/>
+          </a:effectRef>
+          <a:fontRef idx="minor">
+            <a:schemeClr val="tx1"/>
+          </a:fontRef>
+        </p:style>
+      </p:cxnSp>
+      <p:sp>
+        <p:nvSpPr>
+          <p:cNvPr id="11" name="Rectangle 10">
+            <a:extLst>
+              <a:ext uri="{FF2B5EF4-FFF2-40B4-BE49-F238E27FC236}">
+                <a16:creationId xmlns:a16="http://schemas.microsoft.com/office/drawing/2014/main" id="{1ABA9FF1-FC1F-A64B-8E4C-05A8D8882EDC}"/>
+              </a:ext>
+            </a:extLst>
+          </p:cNvPr>
+          <p:cNvSpPr/>
+          <p:nvPr/>
+        </p:nvSpPr>
+        <p:spPr>
+          <a:xfrm>
+            <a:off x="4109258" y="6197829"/>
+            <a:ext cx="2829108" cy="369332"/>
+          </a:xfrm>
+          <a:prstGeom prst="rect">
+            <a:avLst/>
+          </a:prstGeom>
+        </p:spPr>
+        <p:txBody>
+          <a:bodyPr wrap="none">
+            <a:spAutoFit/>
+          </a:bodyPr>
+          <a:lstStyle/>
+          <a:p>
+            <a:r>
+              <a:rPr lang="en-US" u="sng" dirty="0">
+                <a:hlinkClick r:id="rId4"/>
+              </a:rPr>
+              <a:t>Qutub Project, unpublished.</a:t>
+            </a:r>
+            <a:endParaRPr lang="en-US" dirty="0"/>
+          </a:p>
+        </p:txBody>
+      </p:sp>
+    </p:spTree>
+    <p:extLst>
+      <p:ext uri="{BB962C8B-B14F-4D97-AF65-F5344CB8AC3E}">
+        <p14:creationId xmlns:p14="http://schemas.microsoft.com/office/powerpoint/2010/main" val="1732398939"/>
+      </p:ext>
+    </p:extLst>
+  </p:cSld>
+  <p:clrMapOvr>
+    <a:masterClrMapping/>
+  </p:clrMapOvr>
+</p:sld>
+</file>
+
+<file path=ppt/slides/slide23.xml><?xml version="1.0" encoding="utf-8"?>
 <p:sld xmlns:a="http://schemas.openxmlformats.org/drawingml/2006/main" xmlns:r="http://schemas.openxmlformats.org/officeDocument/2006/relationships" xmlns:p="http://schemas.openxmlformats.org/presentationml/2006/main">
   <p:cSld>
     <p:spTree>
@@ -10824,7 +12409,7 @@
           <a:p>
             <a:fld id="{2648F139-9710-3946-AD5A-58A90432ED72}" type="datetime1">
               <a:rPr lang="en-US" smtClean="0"/>
-              <a:t>5/29/19</a:t>
+              <a:t>6/6/19</a:t>
             </a:fld>
             <a:endParaRPr lang="en-US" dirty="0"/>
           </a:p>
@@ -10869,207 +12454,6 @@
           <a:lstStyle/>
           <a:p>
             <a:fld id="{6113E31D-E2AB-40D1-8B51-AFA5AFEF393A}" type="slidenum">
-              <a:rPr lang="en-US" smtClean="0"/>
-              <a:pPr/>
-              <a:t>22</a:t>
-            </a:fld>
-            <a:endParaRPr lang="en-US" dirty="0"/>
-          </a:p>
-        </p:txBody>
-      </p:sp>
-    </p:spTree>
-    <p:extLst>
-      <p:ext uri="{BB962C8B-B14F-4D97-AF65-F5344CB8AC3E}">
-        <p14:creationId xmlns:p14="http://schemas.microsoft.com/office/powerpoint/2010/main" val="1765848794"/>
-      </p:ext>
-    </p:extLst>
-  </p:cSld>
-  <p:clrMapOvr>
-    <a:masterClrMapping/>
-  </p:clrMapOvr>
-</p:sld>
-</file>
-
-<file path=ppt/slides/slide23.xml><?xml version="1.0" encoding="utf-8"?>
-<p:sld xmlns:a="http://schemas.openxmlformats.org/drawingml/2006/main" xmlns:r="http://schemas.openxmlformats.org/officeDocument/2006/relationships" xmlns:p="http://schemas.openxmlformats.org/presentationml/2006/main">
-  <p:cSld>
-    <p:spTree>
-      <p:nvGrpSpPr>
-        <p:cNvPr id="1" name=""/>
-        <p:cNvGrpSpPr/>
-        <p:nvPr/>
-      </p:nvGrpSpPr>
-      <p:grpSpPr>
-        <a:xfrm>
-          <a:off x="0" y="0"/>
-          <a:ext cx="0" cy="0"/>
-          <a:chOff x="0" y="0"/>
-          <a:chExt cx="0" cy="0"/>
-        </a:xfrm>
-      </p:grpSpPr>
-      <p:sp>
-        <p:nvSpPr>
-          <p:cNvPr id="2" name="Title 1">
-            <a:extLst>
-              <a:ext uri="{FF2B5EF4-FFF2-40B4-BE49-F238E27FC236}">
-                <a16:creationId xmlns:a16="http://schemas.microsoft.com/office/drawing/2014/main" id="{658202BD-0EEF-0447-A38A-645D5FBA76D6}"/>
-              </a:ext>
-            </a:extLst>
-          </p:cNvPr>
-          <p:cNvSpPr>
-            <a:spLocks noGrp="1"/>
-          </p:cNvSpPr>
-          <p:nvPr>
-            <p:ph type="title"/>
-          </p:nvPr>
-        </p:nvSpPr>
-        <p:spPr/>
-        <p:txBody>
-          <a:bodyPr/>
-          <a:lstStyle/>
-          <a:p>
-            <a:r>
-              <a:rPr lang="en-US" dirty="0"/>
-              <a:t>Looking forward with EHIF</a:t>
-            </a:r>
-          </a:p>
-        </p:txBody>
-      </p:sp>
-      <p:sp>
-        <p:nvSpPr>
-          <p:cNvPr id="3" name="Content Placeholder 2">
-            <a:extLst>
-              <a:ext uri="{FF2B5EF4-FFF2-40B4-BE49-F238E27FC236}">
-                <a16:creationId xmlns:a16="http://schemas.microsoft.com/office/drawing/2014/main" id="{670849B4-51C6-E244-9644-3E781B43D04C}"/>
-              </a:ext>
-            </a:extLst>
-          </p:cNvPr>
-          <p:cNvSpPr>
-            <a:spLocks noGrp="1"/>
-          </p:cNvSpPr>
-          <p:nvPr>
-            <p:ph idx="1"/>
-          </p:nvPr>
-        </p:nvSpPr>
-        <p:spPr/>
-        <p:txBody>
-          <a:bodyPr/>
-          <a:lstStyle/>
-          <a:p>
-            <a:r>
-              <a:rPr lang="en-US" dirty="0"/>
-              <a:t>Comprehensive national insurance and billing data such as EHIF’s offers a new look at these problems.</a:t>
-            </a:r>
-          </a:p>
-          <a:p>
-            <a:pPr lvl="1"/>
-            <a:r>
-              <a:rPr lang="en-US" dirty="0"/>
-              <a:t>We can construct detailed profiles of each providers’ caseload</a:t>
-            </a:r>
-          </a:p>
-          <a:p>
-            <a:pPr lvl="1"/>
-            <a:r>
-              <a:rPr lang="en-US" dirty="0"/>
-              <a:t>We can observe historical data of provider behavior, including changes in response to training and price changes</a:t>
-            </a:r>
-          </a:p>
-          <a:p>
-            <a:r>
-              <a:rPr lang="en-US" dirty="0"/>
-              <a:t>We hope to understand how caseload, staffing, incentives, and training interact at large scale in Estonia</a:t>
-            </a:r>
-          </a:p>
-          <a:p>
-            <a:pPr lvl="1"/>
-            <a:r>
-              <a:rPr lang="en-US" dirty="0"/>
-              <a:t>With such rich underlying data, we can carefully plan experimental and non-experimental investigations</a:t>
-            </a:r>
-          </a:p>
-        </p:txBody>
-      </p:sp>
-      <p:sp>
-        <p:nvSpPr>
-          <p:cNvPr id="4" name="Date Placeholder 3">
-            <a:extLst>
-              <a:ext uri="{FF2B5EF4-FFF2-40B4-BE49-F238E27FC236}">
-                <a16:creationId xmlns:a16="http://schemas.microsoft.com/office/drawing/2014/main" id="{FF7E791A-4C0B-BF4A-98C2-578AB8168AC9}"/>
-              </a:ext>
-            </a:extLst>
-          </p:cNvPr>
-          <p:cNvSpPr>
-            <a:spLocks noGrp="1"/>
-          </p:cNvSpPr>
-          <p:nvPr>
-            <p:ph type="dt" sz="half" idx="10"/>
-          </p:nvPr>
-        </p:nvSpPr>
-        <p:spPr/>
-        <p:txBody>
-          <a:bodyPr/>
-          <a:lstStyle/>
-          <a:p>
-            <a:fld id="{AAB1DB84-F226-3D45-8B2D-BEE2B3FDDA0B}" type="datetime1">
-              <a:rPr lang="en-US" smtClean="0"/>
-              <a:t>5/29/19</a:t>
-            </a:fld>
-            <a:endParaRPr lang="en-US" dirty="0"/>
-          </a:p>
-        </p:txBody>
-      </p:sp>
-      <p:sp>
-        <p:nvSpPr>
-          <p:cNvPr id="5" name="Footer Placeholder 4">
-            <a:extLst>
-              <a:ext uri="{FF2B5EF4-FFF2-40B4-BE49-F238E27FC236}">
-                <a16:creationId xmlns:a16="http://schemas.microsoft.com/office/drawing/2014/main" id="{EAE6D344-27CC-5F46-A571-A8B94FBDFDC2}"/>
-              </a:ext>
-            </a:extLst>
-          </p:cNvPr>
-          <p:cNvSpPr>
-            <a:spLocks noGrp="1"/>
-          </p:cNvSpPr>
-          <p:nvPr>
-            <p:ph type="ftr" sz="quarter" idx="11"/>
-          </p:nvPr>
-        </p:nvSpPr>
-        <p:spPr/>
-        <p:txBody>
-          <a:bodyPr/>
-          <a:lstStyle/>
-          <a:p>
-            <a:r>
-              <a:rPr lang="en-US"/>
-              <a:t>Estonia: Changing Primary Provider Behavior</a:t>
-            </a:r>
-            <a:endParaRPr lang="en-US" dirty="0"/>
-          </a:p>
-        </p:txBody>
-      </p:sp>
-      <p:sp>
-        <p:nvSpPr>
-          <p:cNvPr id="6" name="Slide Number Placeholder 5">
-            <a:extLst>
-              <a:ext uri="{FF2B5EF4-FFF2-40B4-BE49-F238E27FC236}">
-                <a16:creationId xmlns:a16="http://schemas.microsoft.com/office/drawing/2014/main" id="{CF27B2AE-AF53-3045-AA5D-02AD004A6E1B}"/>
-              </a:ext>
-            </a:extLst>
-          </p:cNvPr>
-          <p:cNvSpPr>
-            <a:spLocks noGrp="1"/>
-          </p:cNvSpPr>
-          <p:nvPr>
-            <p:ph type="sldNum" sz="quarter" idx="12"/>
-          </p:nvPr>
-        </p:nvSpPr>
-        <p:spPr/>
-        <p:txBody>
-          <a:bodyPr/>
-          <a:lstStyle/>
-          <a:p>
-            <a:fld id="{4FAB73BC-B049-4115-A692-8D63A059BFB8}" type="slidenum">
               <a:rPr lang="en-US" smtClean="0"/>
               <a:pPr/>
               <a:t>23</a:t>
@@ -11081,7 +12465,7 @@
     </p:spTree>
     <p:extLst>
       <p:ext uri="{BB962C8B-B14F-4D97-AF65-F5344CB8AC3E}">
-        <p14:creationId xmlns:p14="http://schemas.microsoft.com/office/powerpoint/2010/main" val="137781177"/>
+        <p14:creationId xmlns:p14="http://schemas.microsoft.com/office/powerpoint/2010/main" val="1765848794"/>
       </p:ext>
     </p:extLst>
   </p:cSld>
@@ -11113,7 +12497,7 @@
           <p:cNvPr id="2" name="Title 1">
             <a:extLst>
               <a:ext uri="{FF2B5EF4-FFF2-40B4-BE49-F238E27FC236}">
-                <a16:creationId xmlns:a16="http://schemas.microsoft.com/office/drawing/2014/main" id="{394FD8DE-ABD9-D149-B5E5-2C3B5697C1D1}"/>
+                <a16:creationId xmlns:a16="http://schemas.microsoft.com/office/drawing/2014/main" id="{658202BD-0EEF-0447-A38A-645D5FBA76D6}"/>
               </a:ext>
             </a:extLst>
           </p:cNvPr>
@@ -11131,7 +12515,7 @@
           <a:p>
             <a:r>
               <a:rPr lang="en-US" dirty="0"/>
-              <a:t>Notes</a:t>
+              <a:t>Looking forward with EHIF</a:t>
             </a:r>
           </a:p>
         </p:txBody>
@@ -11141,7 +12525,7 @@
           <p:cNvPr id="3" name="Content Placeholder 2">
             <a:extLst>
               <a:ext uri="{FF2B5EF4-FFF2-40B4-BE49-F238E27FC236}">
-                <a16:creationId xmlns:a16="http://schemas.microsoft.com/office/drawing/2014/main" id="{6C2B6383-37A2-7C40-A03E-FEA47EE4B365}"/>
+                <a16:creationId xmlns:a16="http://schemas.microsoft.com/office/drawing/2014/main" id="{670849B4-51C6-E244-9644-3E781B43D04C}"/>
               </a:ext>
             </a:extLst>
           </p:cNvPr>
@@ -11154,42 +12538,49 @@
         </p:nvSpPr>
         <p:spPr/>
         <p:txBody>
-          <a:bodyPr>
-            <a:normAutofit fontScale="92500" lnSpcReduction="10000"/>
-          </a:bodyPr>
+          <a:bodyPr/>
           <a:lstStyle/>
           <a:p>
             <a:r>
               <a:rPr lang="en-US" dirty="0"/>
-              <a:t>This data is coming from low and middle income countries (our typical focus area)</a:t>
-            </a:r>
-          </a:p>
-          <a:p>
+              <a:t>Comprehensive national insurance and billing data such as EHIF’s offers a new look at these problems.</a:t>
+            </a:r>
+          </a:p>
+          <a:p>
+            <a:pPr lvl="1"/>
             <a:r>
               <a:rPr lang="en-US" dirty="0"/>
-              <a:t>We are relatively new to using billing data for research/experimentation as it is typically incomplete or non-existent in those settings</a:t>
-            </a:r>
-          </a:p>
-          <a:p>
+              <a:t>We can construct detailed profiles of each providers’ caseload</a:t>
+            </a:r>
+          </a:p>
+          <a:p>
+            <a:pPr lvl="1"/>
             <a:r>
               <a:rPr lang="en-US" dirty="0"/>
-              <a:t>Data here uses “direct observation” methods such as standardized patients and medical vignettes</a:t>
+              <a:t>We can observe historical data of provider behavior, including changes in response to training and price changes</a:t>
             </a:r>
           </a:p>
           <a:p>
             <a:r>
               <a:rPr lang="en-US" dirty="0"/>
-              <a:t>We hope lessons from Estonia will inform future work with emerging economies’ new insurance systems and universal health programs</a:t>
-            </a:r>
-          </a:p>
-        </p:txBody>
-      </p:sp>
-      <p:sp>
-        <p:nvSpPr>
-          <p:cNvPr id="4" name="Text Placeholder 3">
+              <a:t>We hope to understand how caseload, staffing, incentives, and training interact at large scale in Estonia</a:t>
+            </a:r>
+          </a:p>
+          <a:p>
+            <a:pPr lvl="1"/>
+            <a:r>
+              <a:rPr lang="en-US" dirty="0"/>
+              <a:t>With such rich underlying data, we can carefully plan experimental and non-experimental investigations</a:t>
+            </a:r>
+          </a:p>
+        </p:txBody>
+      </p:sp>
+      <p:sp>
+        <p:nvSpPr>
+          <p:cNvPr id="4" name="Date Placeholder 3">
             <a:extLst>
               <a:ext uri="{FF2B5EF4-FFF2-40B4-BE49-F238E27FC236}">
-                <a16:creationId xmlns:a16="http://schemas.microsoft.com/office/drawing/2014/main" id="{542A2063-33F6-964D-A2E7-FA713036617A}"/>
+                <a16:creationId xmlns:a16="http://schemas.microsoft.com/office/drawing/2014/main" id="{FF7E791A-4C0B-BF4A-98C2-578AB8168AC9}"/>
               </a:ext>
             </a:extLst>
           </p:cNvPr>
@@ -11197,7 +12588,7 @@
             <a:spLocks noGrp="1"/>
           </p:cNvSpPr>
           <p:nvPr>
-            <p:ph type="body" sz="half" idx="2"/>
+            <p:ph type="dt" sz="half" idx="10"/>
           </p:nvPr>
         </p:nvSpPr>
         <p:spPr/>
@@ -11205,16 +12596,20 @@
           <a:bodyPr/>
           <a:lstStyle/>
           <a:p>
-            <a:endParaRPr lang="en-US"/>
-          </a:p>
-        </p:txBody>
-      </p:sp>
-      <p:sp>
-        <p:nvSpPr>
-          <p:cNvPr id="5" name="Date Placeholder 4">
+            <a:fld id="{AAB1DB84-F226-3D45-8B2D-BEE2B3FDDA0B}" type="datetime1">
+              <a:rPr lang="en-US" smtClean="0"/>
+              <a:t>6/6/19</a:t>
+            </a:fld>
+            <a:endParaRPr lang="en-US" dirty="0"/>
+          </a:p>
+        </p:txBody>
+      </p:sp>
+      <p:sp>
+        <p:nvSpPr>
+          <p:cNvPr id="5" name="Footer Placeholder 4">
             <a:extLst>
               <a:ext uri="{FF2B5EF4-FFF2-40B4-BE49-F238E27FC236}">
-                <a16:creationId xmlns:a16="http://schemas.microsoft.com/office/drawing/2014/main" id="{9340D8C9-05B6-B342-9002-F94A71BA8ED8}"/>
+                <a16:creationId xmlns:a16="http://schemas.microsoft.com/office/drawing/2014/main" id="{EAE6D344-27CC-5F46-A571-A8B94FBDFDC2}"/>
               </a:ext>
             </a:extLst>
           </p:cNvPr>
@@ -11222,7 +12617,7 @@
             <a:spLocks noGrp="1"/>
           </p:cNvSpPr>
           <p:nvPr>
-            <p:ph type="dt" sz="half" idx="10"/>
+            <p:ph type="ftr" sz="quarter" idx="11"/>
           </p:nvPr>
         </p:nvSpPr>
         <p:spPr/>
@@ -11230,49 +12625,20 @@
           <a:bodyPr/>
           <a:lstStyle/>
           <a:p>
-            <a:fld id="{9E42A134-3703-3848-8773-7D9F8FA39FDE}" type="datetime1">
-              <a:rPr lang="en-US" smtClean="0"/>
-              <a:t>5/29/19</a:t>
-            </a:fld>
+            <a:r>
+              <a:rPr lang="en-US"/>
+              <a:t>Estonia: Changing Primary Provider Behavior</a:t>
+            </a:r>
             <a:endParaRPr lang="en-US" dirty="0"/>
           </a:p>
         </p:txBody>
       </p:sp>
       <p:sp>
         <p:nvSpPr>
-          <p:cNvPr id="6" name="Footer Placeholder 5">
+          <p:cNvPr id="6" name="Slide Number Placeholder 5">
             <a:extLst>
               <a:ext uri="{FF2B5EF4-FFF2-40B4-BE49-F238E27FC236}">
-                <a16:creationId xmlns:a16="http://schemas.microsoft.com/office/drawing/2014/main" id="{5D67E22D-C32F-004E-8891-BF5801D6745B}"/>
-              </a:ext>
-            </a:extLst>
-          </p:cNvPr>
-          <p:cNvSpPr>
-            <a:spLocks noGrp="1"/>
-          </p:cNvSpPr>
-          <p:nvPr>
-            <p:ph type="ftr" sz="quarter" idx="11"/>
-          </p:nvPr>
-        </p:nvSpPr>
-        <p:spPr/>
-        <p:txBody>
-          <a:bodyPr/>
-          <a:lstStyle/>
-          <a:p>
-            <a:r>
-              <a:rPr lang="en-US"/>
-              <a:t>Estonia: Changing Primary Provider Behavior</a:t>
-            </a:r>
-            <a:endParaRPr lang="en-US" dirty="0"/>
-          </a:p>
-        </p:txBody>
-      </p:sp>
-      <p:sp>
-        <p:nvSpPr>
-          <p:cNvPr id="7" name="Slide Number Placeholder 6">
-            <a:extLst>
-              <a:ext uri="{FF2B5EF4-FFF2-40B4-BE49-F238E27FC236}">
-                <a16:creationId xmlns:a16="http://schemas.microsoft.com/office/drawing/2014/main" id="{013E9CB7-D318-8841-A1F1-634930378E05}"/>
+                <a16:creationId xmlns:a16="http://schemas.microsoft.com/office/drawing/2014/main" id="{CF27B2AE-AF53-3045-AA5D-02AD004A6E1B}"/>
               </a:ext>
             </a:extLst>
           </p:cNvPr>
@@ -11300,7 +12666,7 @@
     </p:spTree>
     <p:extLst>
       <p:ext uri="{BB962C8B-B14F-4D97-AF65-F5344CB8AC3E}">
-        <p14:creationId xmlns:p14="http://schemas.microsoft.com/office/powerpoint/2010/main" val="3882684397"/>
+        <p14:creationId xmlns:p14="http://schemas.microsoft.com/office/powerpoint/2010/main" val="137781177"/>
       </p:ext>
     </p:extLst>
   </p:cSld>
@@ -11329,6 +12695,225 @@
       </p:grpSpPr>
       <p:sp>
         <p:nvSpPr>
+          <p:cNvPr id="2" name="Title 1">
+            <a:extLst>
+              <a:ext uri="{FF2B5EF4-FFF2-40B4-BE49-F238E27FC236}">
+                <a16:creationId xmlns:a16="http://schemas.microsoft.com/office/drawing/2014/main" id="{394FD8DE-ABD9-D149-B5E5-2C3B5697C1D1}"/>
+              </a:ext>
+            </a:extLst>
+          </p:cNvPr>
+          <p:cNvSpPr>
+            <a:spLocks noGrp="1"/>
+          </p:cNvSpPr>
+          <p:nvPr>
+            <p:ph type="title"/>
+          </p:nvPr>
+        </p:nvSpPr>
+        <p:spPr/>
+        <p:txBody>
+          <a:bodyPr/>
+          <a:lstStyle/>
+          <a:p>
+            <a:r>
+              <a:rPr lang="en-US" dirty="0"/>
+              <a:t>Notes</a:t>
+            </a:r>
+          </a:p>
+        </p:txBody>
+      </p:sp>
+      <p:sp>
+        <p:nvSpPr>
+          <p:cNvPr id="3" name="Content Placeholder 2">
+            <a:extLst>
+              <a:ext uri="{FF2B5EF4-FFF2-40B4-BE49-F238E27FC236}">
+                <a16:creationId xmlns:a16="http://schemas.microsoft.com/office/drawing/2014/main" id="{6C2B6383-37A2-7C40-A03E-FEA47EE4B365}"/>
+              </a:ext>
+            </a:extLst>
+          </p:cNvPr>
+          <p:cNvSpPr>
+            <a:spLocks noGrp="1"/>
+          </p:cNvSpPr>
+          <p:nvPr>
+            <p:ph idx="1"/>
+          </p:nvPr>
+        </p:nvSpPr>
+        <p:spPr/>
+        <p:txBody>
+          <a:bodyPr>
+            <a:normAutofit fontScale="92500" lnSpcReduction="10000"/>
+          </a:bodyPr>
+          <a:lstStyle/>
+          <a:p>
+            <a:r>
+              <a:rPr lang="en-US" dirty="0"/>
+              <a:t>This data is coming from low and middle income countries (our typical focus area)</a:t>
+            </a:r>
+          </a:p>
+          <a:p>
+            <a:r>
+              <a:rPr lang="en-US" dirty="0"/>
+              <a:t>We are relatively new to using billing data for research/experimentation as it is typically incomplete or non-existent in those settings</a:t>
+            </a:r>
+          </a:p>
+          <a:p>
+            <a:r>
+              <a:rPr lang="en-US" dirty="0"/>
+              <a:t>Data here uses “direct observation” methods such as standardized patients and medical vignettes</a:t>
+            </a:r>
+          </a:p>
+          <a:p>
+            <a:r>
+              <a:rPr lang="en-US" dirty="0"/>
+              <a:t>We hope lessons from Estonia will inform future work with emerging economies’ new insurance systems and universal health programs</a:t>
+            </a:r>
+          </a:p>
+        </p:txBody>
+      </p:sp>
+      <p:sp>
+        <p:nvSpPr>
+          <p:cNvPr id="4" name="Text Placeholder 3">
+            <a:extLst>
+              <a:ext uri="{FF2B5EF4-FFF2-40B4-BE49-F238E27FC236}">
+                <a16:creationId xmlns:a16="http://schemas.microsoft.com/office/drawing/2014/main" id="{542A2063-33F6-964D-A2E7-FA713036617A}"/>
+              </a:ext>
+            </a:extLst>
+          </p:cNvPr>
+          <p:cNvSpPr>
+            <a:spLocks noGrp="1"/>
+          </p:cNvSpPr>
+          <p:nvPr>
+            <p:ph type="body" sz="half" idx="2"/>
+          </p:nvPr>
+        </p:nvSpPr>
+        <p:spPr/>
+        <p:txBody>
+          <a:bodyPr/>
+          <a:lstStyle/>
+          <a:p>
+            <a:endParaRPr lang="en-US"/>
+          </a:p>
+        </p:txBody>
+      </p:sp>
+      <p:sp>
+        <p:nvSpPr>
+          <p:cNvPr id="5" name="Date Placeholder 4">
+            <a:extLst>
+              <a:ext uri="{FF2B5EF4-FFF2-40B4-BE49-F238E27FC236}">
+                <a16:creationId xmlns:a16="http://schemas.microsoft.com/office/drawing/2014/main" id="{9340D8C9-05B6-B342-9002-F94A71BA8ED8}"/>
+              </a:ext>
+            </a:extLst>
+          </p:cNvPr>
+          <p:cNvSpPr>
+            <a:spLocks noGrp="1"/>
+          </p:cNvSpPr>
+          <p:nvPr>
+            <p:ph type="dt" sz="half" idx="10"/>
+          </p:nvPr>
+        </p:nvSpPr>
+        <p:spPr/>
+        <p:txBody>
+          <a:bodyPr/>
+          <a:lstStyle/>
+          <a:p>
+            <a:fld id="{9E42A134-3703-3848-8773-7D9F8FA39FDE}" type="datetime1">
+              <a:rPr lang="en-US" smtClean="0"/>
+              <a:t>6/6/19</a:t>
+            </a:fld>
+            <a:endParaRPr lang="en-US" dirty="0"/>
+          </a:p>
+        </p:txBody>
+      </p:sp>
+      <p:sp>
+        <p:nvSpPr>
+          <p:cNvPr id="6" name="Footer Placeholder 5">
+            <a:extLst>
+              <a:ext uri="{FF2B5EF4-FFF2-40B4-BE49-F238E27FC236}">
+                <a16:creationId xmlns:a16="http://schemas.microsoft.com/office/drawing/2014/main" id="{5D67E22D-C32F-004E-8891-BF5801D6745B}"/>
+              </a:ext>
+            </a:extLst>
+          </p:cNvPr>
+          <p:cNvSpPr>
+            <a:spLocks noGrp="1"/>
+          </p:cNvSpPr>
+          <p:nvPr>
+            <p:ph type="ftr" sz="quarter" idx="11"/>
+          </p:nvPr>
+        </p:nvSpPr>
+        <p:spPr/>
+        <p:txBody>
+          <a:bodyPr/>
+          <a:lstStyle/>
+          <a:p>
+            <a:r>
+              <a:rPr lang="en-US"/>
+              <a:t>Estonia: Changing Primary Provider Behavior</a:t>
+            </a:r>
+            <a:endParaRPr lang="en-US" dirty="0"/>
+          </a:p>
+        </p:txBody>
+      </p:sp>
+      <p:sp>
+        <p:nvSpPr>
+          <p:cNvPr id="7" name="Slide Number Placeholder 6">
+            <a:extLst>
+              <a:ext uri="{FF2B5EF4-FFF2-40B4-BE49-F238E27FC236}">
+                <a16:creationId xmlns:a16="http://schemas.microsoft.com/office/drawing/2014/main" id="{013E9CB7-D318-8841-A1F1-634930378E05}"/>
+              </a:ext>
+            </a:extLst>
+          </p:cNvPr>
+          <p:cNvSpPr>
+            <a:spLocks noGrp="1"/>
+          </p:cNvSpPr>
+          <p:nvPr>
+            <p:ph type="sldNum" sz="quarter" idx="12"/>
+          </p:nvPr>
+        </p:nvSpPr>
+        <p:spPr/>
+        <p:txBody>
+          <a:bodyPr/>
+          <a:lstStyle/>
+          <a:p>
+            <a:fld id="{4FAB73BC-B049-4115-A692-8D63A059BFB8}" type="slidenum">
+              <a:rPr lang="en-US" smtClean="0"/>
+              <a:pPr/>
+              <a:t>25</a:t>
+            </a:fld>
+            <a:endParaRPr lang="en-US" dirty="0"/>
+          </a:p>
+        </p:txBody>
+      </p:sp>
+    </p:spTree>
+    <p:extLst>
+      <p:ext uri="{BB962C8B-B14F-4D97-AF65-F5344CB8AC3E}">
+        <p14:creationId xmlns:p14="http://schemas.microsoft.com/office/powerpoint/2010/main" val="3882684397"/>
+      </p:ext>
+    </p:extLst>
+  </p:cSld>
+  <p:clrMapOvr>
+    <a:masterClrMapping/>
+  </p:clrMapOvr>
+</p:sld>
+</file>
+
+<file path=ppt/slides/slide26.xml><?xml version="1.0" encoding="utf-8"?>
+<p:sld xmlns:a="http://schemas.openxmlformats.org/drawingml/2006/main" xmlns:r="http://schemas.openxmlformats.org/officeDocument/2006/relationships" xmlns:p="http://schemas.openxmlformats.org/presentationml/2006/main">
+  <p:cSld>
+    <p:spTree>
+      <p:nvGrpSpPr>
+        <p:cNvPr id="1" name=""/>
+        <p:cNvGrpSpPr/>
+        <p:nvPr/>
+      </p:nvGrpSpPr>
+      <p:grpSpPr>
+        <a:xfrm>
+          <a:off x="0" y="0"/>
+          <a:ext cx="0" cy="0"/>
+          <a:chOff x="0" y="0"/>
+          <a:chExt cx="0" cy="0"/>
+        </a:xfrm>
+      </p:grpSpPr>
+      <p:sp>
+        <p:nvSpPr>
           <p:cNvPr id="2" name="Title 1"/>
           <p:cNvSpPr>
             <a:spLocks noGrp="1"/>
@@ -11493,7 +13078,7 @@
           <a:p>
             <a:fld id="{3966ABF7-9066-0B4C-9C34-8314A3CFCD1D}" type="datetime1">
               <a:rPr lang="en-US" smtClean="0"/>
-              <a:t>5/29/19</a:t>
+              <a:t>6/6/19</a:t>
             </a:fld>
             <a:endParaRPr lang="en-US" dirty="0"/>
           </a:p>
@@ -11744,7 +13329,7 @@
             <a:fld id="{4FAB73BC-B049-4115-A692-8D63A059BFB8}" type="slidenum">
               <a:rPr lang="en-US" smtClean="0"/>
               <a:pPr/>
-              <a:t>25</a:t>
+              <a:t>26</a:t>
             </a:fld>
             <a:endParaRPr lang="en-US" dirty="0"/>
           </a:p>
@@ -11871,7 +13456,7 @@
           <a:p>
             <a:fld id="{4BE31B77-C7AA-EE40-8539-D75670876A89}" type="datetime1">
               <a:rPr lang="en-US" smtClean="0"/>
-              <a:t>5/29/19</a:t>
+              <a:t>6/6/19</a:t>
             </a:fld>
             <a:endParaRPr lang="en-US" dirty="0"/>
           </a:p>
@@ -12021,7 +13606,7 @@
           <a:p>
             <a:fld id="{A2B2BAA3-D31B-D543-BBE6-047AF01DE345}" type="datetime1">
               <a:rPr lang="en-US" smtClean="0"/>
-              <a:t>5/29/19</a:t>
+              <a:t>6/6/19</a:t>
             </a:fld>
             <a:endParaRPr lang="en-US" dirty="0"/>
           </a:p>
@@ -12239,7 +13824,7 @@
           <a:p>
             <a:fld id="{1C408113-B848-2246-B91B-03DB2084D32F}" type="datetime1">
               <a:rPr lang="en-US" smtClean="0"/>
-              <a:t>5/29/19</a:t>
+              <a:t>6/6/19</a:t>
             </a:fld>
             <a:endParaRPr lang="en-US" dirty="0"/>
           </a:p>
@@ -12437,7 +14022,7 @@
           <a:p>
             <a:fld id="{F6042E59-5067-DB41-9A6F-1DB0F2311465}" type="datetime1">
               <a:rPr lang="en-US" smtClean="0"/>
-              <a:t>5/29/19</a:t>
+              <a:t>6/6/19</a:t>
             </a:fld>
             <a:endParaRPr lang="en-US" dirty="0"/>
           </a:p>
@@ -12708,7 +14293,7 @@
           <a:p>
             <a:fld id="{8BB109C0-EE9E-5B40-A12C-7C9560FF96E7}" type="datetime1">
               <a:rPr lang="en-US" smtClean="0"/>
-              <a:t>5/29/19</a:t>
+              <a:t>6/6/19</a:t>
             </a:fld>
             <a:endParaRPr lang="en-US" dirty="0"/>
           </a:p>
@@ -13155,7 +14740,7 @@
           <a:p>
             <a:fld id="{9A8C117A-3B85-2A43-AB1C-B4ADAE2034CF}" type="datetime1">
               <a:rPr lang="en-US" smtClean="0"/>
-              <a:t>5/29/19</a:t>
+              <a:t>6/6/19</a:t>
             </a:fld>
             <a:endParaRPr lang="en-US" dirty="0"/>
           </a:p>
@@ -13407,7 +14992,7 @@
           <a:p>
             <a:fld id="{077E805C-D091-B34E-A0D5-EA261332BBEA}" type="datetime1">
               <a:rPr lang="en-US" smtClean="0"/>
-              <a:t>5/29/19</a:t>
+              <a:t>6/6/19</a:t>
             </a:fld>
             <a:endParaRPr lang="en-US" dirty="0"/>
           </a:p>
